--- a/波动率交易.pptx
+++ b/波动率交易.pptx
@@ -125,6 +125,11 @@
       </a:defRPr>
     </a:lvl9pPr>
   </p:defaultTextStyle>
+  <p:extLst>
+    <p:ext uri="{EFAFB233-063F-42B5-8137-9DF3F51BA10A}">
+      <p15:sldGuideLst xmlns:p15="http://schemas.microsoft.com/office/powerpoint/2012/main"/>
+    </p:ext>
+  </p:extLst>
 </p:presentation>
 </file>
 
@@ -22648,7 +22653,15 @@
           <a:p>
             <a:r>
               <a:rPr lang="zh-CN" altLang="en-US" dirty="0"/>
-              <a:t>聚集意味着不管当前波动率是多少，都是对未来吧波动率的很好估计</a:t>
+              <a:t>聚集意味着不管当前波动率是多少，都是</a:t>
+            </a:r>
+            <a:r>
+              <a:rPr lang="zh-CN" altLang="en-US"/>
+              <a:t>对未来波动</a:t>
+            </a:r>
+            <a:r>
+              <a:rPr lang="zh-CN" altLang="en-US" dirty="0"/>
+              <a:t>率的很好估计</a:t>
             </a:r>
             <a:endParaRPr lang="en-US" altLang="zh-CN" dirty="0"/>
           </a:p>
@@ -22959,7 +22972,7 @@
           <a:graphicData uri="http://schemas.openxmlformats.org/presentationml/2006/ole">
             <mc:AlternateContent xmlns:mc="http://schemas.openxmlformats.org/markup-compatibility/2006">
               <mc:Choice xmlns:v="urn:schemas-microsoft-com:vml" Requires="v">
-                <p:oleObj spid="_x0000_s6156" name="Equation" r:id="rId3" imgW="253800" imgH="228600" progId="Equation.DSMT4">
+                <p:oleObj spid="_x0000_s6165" name="Equation" r:id="rId3" imgW="253800" imgH="228600" progId="Equation.DSMT4">
                   <p:embed/>
                 </p:oleObj>
               </mc:Choice>
@@ -23022,7 +23035,7 @@
           <a:graphicData uri="http://schemas.openxmlformats.org/presentationml/2006/ole">
             <mc:AlternateContent xmlns:mc="http://schemas.openxmlformats.org/markup-compatibility/2006">
               <mc:Choice xmlns:v="urn:schemas-microsoft-com:vml" Requires="v">
-                <p:oleObj spid="_x0000_s6157" name="Equation" r:id="rId5" imgW="139680" imgH="177480" progId="Equation.DSMT4">
+                <p:oleObj spid="_x0000_s6166" name="Equation" r:id="rId5" imgW="139680" imgH="177480" progId="Equation.DSMT4">
                   <p:embed/>
                 </p:oleObj>
               </mc:Choice>
@@ -23085,7 +23098,7 @@
           <a:graphicData uri="http://schemas.openxmlformats.org/presentationml/2006/ole">
             <mc:AlternateContent xmlns:mc="http://schemas.openxmlformats.org/markup-compatibility/2006">
               <mc:Choice xmlns:v="urn:schemas-microsoft-com:vml" Requires="v">
-                <p:oleObj spid="_x0000_s6158" name="Equation" r:id="rId7" imgW="1663560" imgH="444240" progId="Equation.DSMT4">
+                <p:oleObj spid="_x0000_s6167" name="Equation" r:id="rId7" imgW="1663560" imgH="444240" progId="Equation.DSMT4">
                   <p:embed/>
                 </p:oleObj>
               </mc:Choice>
@@ -23148,7 +23161,7 @@
           <a:graphicData uri="http://schemas.openxmlformats.org/presentationml/2006/ole">
             <mc:AlternateContent xmlns:mc="http://schemas.openxmlformats.org/markup-compatibility/2006">
               <mc:Choice xmlns:v="urn:schemas-microsoft-com:vml" Requires="v">
-                <p:oleObj spid="_x0000_s6159" name="Equation" r:id="rId9" imgW="114120" imgH="177480" progId="Equation.DSMT4">
+                <p:oleObj spid="_x0000_s6168" name="Equation" r:id="rId9" imgW="114120" imgH="177480" progId="Equation.DSMT4">
                   <p:embed/>
                 </p:oleObj>
               </mc:Choice>
@@ -23211,7 +23224,7 @@
           <a:graphicData uri="http://schemas.openxmlformats.org/presentationml/2006/ole">
             <mc:AlternateContent xmlns:mc="http://schemas.openxmlformats.org/markup-compatibility/2006">
               <mc:Choice xmlns:v="urn:schemas-microsoft-com:vml" Requires="v">
-                <p:oleObj spid="_x0000_s6160" name="Equation" r:id="rId11" imgW="1523880" imgH="228600" progId="Equation.DSMT4">
+                <p:oleObj spid="_x0000_s6169" name="Equation" r:id="rId11" imgW="1523880" imgH="228600" progId="Equation.DSMT4">
                   <p:embed/>
                 </p:oleObj>
               </mc:Choice>
@@ -23274,7 +23287,7 @@
           <a:graphicData uri="http://schemas.openxmlformats.org/presentationml/2006/ole">
             <mc:AlternateContent xmlns:mc="http://schemas.openxmlformats.org/markup-compatibility/2006">
               <mc:Choice xmlns:v="urn:schemas-microsoft-com:vml" Requires="v">
-                <p:oleObj spid="_x0000_s6161" name="Equation" r:id="rId13" imgW="4140000" imgH="241200" progId="Equation.DSMT4">
+                <p:oleObj spid="_x0000_s6170" name="Equation" r:id="rId13" imgW="4140000" imgH="241200" progId="Equation.DSMT4">
                   <p:embed/>
                 </p:oleObj>
               </mc:Choice>
@@ -23337,7 +23350,7 @@
           <a:graphicData uri="http://schemas.openxmlformats.org/presentationml/2006/ole">
             <mc:AlternateContent xmlns:mc="http://schemas.openxmlformats.org/markup-compatibility/2006">
               <mc:Choice xmlns:v="urn:schemas-microsoft-com:vml" Requires="v">
-                <p:oleObj spid="_x0000_s6162" name="Equation" r:id="rId15" imgW="799920" imgH="241200" progId="Equation.DSMT4">
+                <p:oleObj spid="_x0000_s6171" name="Equation" r:id="rId15" imgW="799920" imgH="241200" progId="Equation.DSMT4">
                   <p:embed/>
                 </p:oleObj>
               </mc:Choice>
@@ -23400,7 +23413,7 @@
           <a:graphicData uri="http://schemas.openxmlformats.org/presentationml/2006/ole">
             <mc:AlternateContent xmlns:mc="http://schemas.openxmlformats.org/markup-compatibility/2006">
               <mc:Choice xmlns:v="urn:schemas-microsoft-com:vml" Requires="v">
-                <p:oleObj spid="_x0000_s6163" name="Equation" r:id="rId17" imgW="2095200" imgH="241200" progId="Equation.DSMT4">
+                <p:oleObj spid="_x0000_s6172" name="Equation" r:id="rId17" imgW="2095200" imgH="241200" progId="Equation.DSMT4">
                   <p:embed/>
                 </p:oleObj>
               </mc:Choice>
@@ -23463,7 +23476,7 @@
           <a:graphicData uri="http://schemas.openxmlformats.org/presentationml/2006/ole">
             <mc:AlternateContent xmlns:mc="http://schemas.openxmlformats.org/markup-compatibility/2006">
               <mc:Choice xmlns:v="urn:schemas-microsoft-com:vml" Requires="v">
-                <p:oleObj spid="_x0000_s6164" name="Equation" r:id="rId19" imgW="647640" imgH="241200" progId="Equation.DSMT4">
+                <p:oleObj spid="_x0000_s6173" name="Equation" r:id="rId19" imgW="647640" imgH="241200" progId="Equation.DSMT4">
                   <p:embed/>
                 </p:oleObj>
               </mc:Choice>
@@ -28467,7 +28480,7 @@
         </p:nvSpPr>
         <p:spPr>
           <a:xfrm>
-            <a:off x="5454394" y="961448"/>
+            <a:off x="5267963" y="961448"/>
             <a:ext cx="3982201" cy="411550"/>
           </a:xfrm>
           <a:custGeom>
@@ -28581,7 +28594,7 @@
         </p:nvSpPr>
         <p:spPr bwMode="auto">
           <a:xfrm>
-            <a:off x="5227452" y="961448"/>
+            <a:off x="4835245" y="961448"/>
             <a:ext cx="411552" cy="411550"/>
           </a:xfrm>
           <a:prstGeom prst="ellipse">
@@ -28644,7 +28657,7 @@
         </p:nvSpPr>
         <p:spPr>
           <a:xfrm>
-            <a:off x="5454394" y="1796747"/>
+            <a:off x="5267963" y="1796747"/>
             <a:ext cx="3982201" cy="411550"/>
           </a:xfrm>
           <a:custGeom>
@@ -28767,7 +28780,7 @@
         </p:nvSpPr>
         <p:spPr bwMode="auto">
           <a:xfrm>
-            <a:off x="5227452" y="1796747"/>
+            <a:off x="4835245" y="1796747"/>
             <a:ext cx="411552" cy="411550"/>
           </a:xfrm>
           <a:prstGeom prst="ellipse">
@@ -28830,7 +28843,7 @@
         </p:nvSpPr>
         <p:spPr>
           <a:xfrm>
-            <a:off x="5454394" y="2632046"/>
+            <a:off x="5267963" y="2632046"/>
             <a:ext cx="3982201" cy="411550"/>
           </a:xfrm>
           <a:custGeom>
@@ -28953,7 +28966,7 @@
         </p:nvSpPr>
         <p:spPr bwMode="auto">
           <a:xfrm>
-            <a:off x="5227452" y="2632046"/>
+            <a:off x="4835245" y="2632044"/>
             <a:ext cx="411552" cy="411550"/>
           </a:xfrm>
           <a:prstGeom prst="ellipse">
@@ -29016,7 +29029,7 @@
         </p:nvSpPr>
         <p:spPr>
           <a:xfrm>
-            <a:off x="5454394" y="3467345"/>
+            <a:off x="5267963" y="3467345"/>
             <a:ext cx="3982201" cy="411550"/>
           </a:xfrm>
           <a:custGeom>
@@ -29139,7 +29152,7 @@
         </p:nvSpPr>
         <p:spPr bwMode="auto">
           <a:xfrm>
-            <a:off x="5227452" y="3467345"/>
+            <a:off x="4835245" y="3467341"/>
             <a:ext cx="411552" cy="411550"/>
           </a:xfrm>
           <a:prstGeom prst="ellipse">
@@ -29202,7 +29215,7 @@
         </p:nvSpPr>
         <p:spPr>
           <a:xfrm>
-            <a:off x="5454394" y="4302642"/>
+            <a:off x="5267963" y="4302642"/>
             <a:ext cx="3982201" cy="411550"/>
           </a:xfrm>
           <a:custGeom>
@@ -29325,7 +29338,7 @@
         </p:nvSpPr>
         <p:spPr bwMode="auto">
           <a:xfrm>
-            <a:off x="5227452" y="4302642"/>
+            <a:off x="4835245" y="4302642"/>
             <a:ext cx="411552" cy="411550"/>
           </a:xfrm>
           <a:prstGeom prst="ellipse">
@@ -29483,7 +29496,7 @@
         </p:nvSpPr>
         <p:spPr>
           <a:xfrm>
-            <a:off x="5454394" y="5137939"/>
+            <a:off x="5267963" y="5137939"/>
             <a:ext cx="3982201" cy="411550"/>
           </a:xfrm>
           <a:custGeom>
@@ -29611,7 +29624,7 @@
         </p:nvSpPr>
         <p:spPr bwMode="auto">
           <a:xfrm>
-            <a:off x="5227452" y="5137939"/>
+            <a:off x="4856411" y="5137939"/>
             <a:ext cx="411552" cy="411550"/>
           </a:xfrm>
           <a:prstGeom prst="ellipse">
@@ -31125,7 +31138,7 @@
           <a:graphicData uri="http://schemas.openxmlformats.org/presentationml/2006/ole">
             <mc:AlternateContent xmlns:mc="http://schemas.openxmlformats.org/markup-compatibility/2006">
               <mc:Choice xmlns:v="urn:schemas-microsoft-com:vml" Requires="v">
-                <p:oleObj spid="_x0000_s1031" name="Equation" r:id="rId3" imgW="1371600" imgH="431640" progId="Equation.DSMT4">
+                <p:oleObj spid="_x0000_s1032" name="Equation" r:id="rId3" imgW="1371600" imgH="431640" progId="Equation.DSMT4">
                   <p:embed/>
                 </p:oleObj>
               </mc:Choice>
@@ -31379,7 +31392,7 @@
           <a:graphicData uri="http://schemas.openxmlformats.org/presentationml/2006/ole">
             <mc:AlternateContent xmlns:mc="http://schemas.openxmlformats.org/markup-compatibility/2006">
               <mc:Choice xmlns:v="urn:schemas-microsoft-com:vml" Requires="v">
-                <p:oleObj spid="_x0000_s2054" name="Equation" r:id="rId3" imgW="1460160" imgH="495000" progId="Equation.DSMT4">
+                <p:oleObj spid="_x0000_s2057" name="Equation" r:id="rId3" imgW="1460160" imgH="495000" progId="Equation.DSMT4">
                   <p:embed/>
                 </p:oleObj>
               </mc:Choice>
@@ -31442,7 +31455,7 @@
           <a:graphicData uri="http://schemas.openxmlformats.org/presentationml/2006/ole">
             <mc:AlternateContent xmlns:mc="http://schemas.openxmlformats.org/markup-compatibility/2006">
               <mc:Choice xmlns:v="urn:schemas-microsoft-com:vml" Requires="v">
-                <p:oleObj spid="_x0000_s2055" name="Equation" r:id="rId5" imgW="139680" imgH="228600" progId="Equation.DSMT4">
+                <p:oleObj spid="_x0000_s2058" name="Equation" r:id="rId5" imgW="139680" imgH="228600" progId="Equation.DSMT4">
                   <p:embed/>
                 </p:oleObj>
               </mc:Choice>
@@ -31505,7 +31518,7 @@
           <a:graphicData uri="http://schemas.openxmlformats.org/presentationml/2006/ole">
             <mc:AlternateContent xmlns:mc="http://schemas.openxmlformats.org/markup-compatibility/2006">
               <mc:Choice xmlns:v="urn:schemas-microsoft-com:vml" Requires="v">
-                <p:oleObj spid="_x0000_s2056" name="Equation" r:id="rId7" imgW="114120" imgH="228600" progId="Equation.DSMT4">
+                <p:oleObj spid="_x0000_s2059" name="Equation" r:id="rId7" imgW="114120" imgH="228600" progId="Equation.DSMT4">
                   <p:embed/>
                 </p:oleObj>
               </mc:Choice>
@@ -31780,7 +31793,7 @@
           <a:graphicData uri="http://schemas.openxmlformats.org/presentationml/2006/ole">
             <mc:AlternateContent xmlns:mc="http://schemas.openxmlformats.org/markup-compatibility/2006">
               <mc:Choice xmlns:v="urn:schemas-microsoft-com:vml" Requires="v">
-                <p:oleObj spid="_x0000_s3076" name="Equation" r:id="rId3" imgW="2882880" imgH="495000" progId="Equation.DSMT4">
+                <p:oleObj spid="_x0000_s3078" name="Equation" r:id="rId3" imgW="2882880" imgH="495000" progId="Equation.DSMT4">
                   <p:embed/>
                 </p:oleObj>
               </mc:Choice>
@@ -31849,7 +31862,7 @@
           <a:graphicData uri="http://schemas.openxmlformats.org/presentationml/2006/ole">
             <mc:AlternateContent xmlns:mc="http://schemas.openxmlformats.org/markup-compatibility/2006">
               <mc:Choice xmlns:v="urn:schemas-microsoft-com:vml" Requires="v">
-                <p:oleObj spid="_x0000_s3077" name="Equation" r:id="rId5" imgW="139680" imgH="228600" progId="Equation.DSMT4">
+                <p:oleObj spid="_x0000_s3079" name="Equation" r:id="rId5" imgW="139680" imgH="228600" progId="Equation.DSMT4">
                   <p:embed/>
                 </p:oleObj>
               </mc:Choice>
@@ -32095,7 +32108,7 @@
           <a:graphicData uri="http://schemas.openxmlformats.org/presentationml/2006/ole">
             <mc:AlternateContent xmlns:mc="http://schemas.openxmlformats.org/markup-compatibility/2006">
               <mc:Choice xmlns:v="urn:schemas-microsoft-com:vml" Requires="v">
-                <p:oleObj spid="_x0000_s4100" name="Equation" r:id="rId3" imgW="2463480" imgH="495000" progId="Equation.DSMT4">
+                <p:oleObj spid="_x0000_s4102" name="Equation" r:id="rId3" imgW="2463480" imgH="495000" progId="Equation.DSMT4">
                   <p:embed/>
                 </p:oleObj>
               </mc:Choice>
@@ -32164,7 +32177,7 @@
           <a:graphicData uri="http://schemas.openxmlformats.org/presentationml/2006/ole">
             <mc:AlternateContent xmlns:mc="http://schemas.openxmlformats.org/markup-compatibility/2006">
               <mc:Choice xmlns:v="urn:schemas-microsoft-com:vml" Requires="v">
-                <p:oleObj spid="_x0000_s4101" name="Equation" r:id="rId5" imgW="139680" imgH="228600" progId="Equation.DSMT4">
+                <p:oleObj spid="_x0000_s4103" name="Equation" r:id="rId5" imgW="139680" imgH="228600" progId="Equation.DSMT4">
                   <p:embed/>
                 </p:oleObj>
               </mc:Choice>
@@ -32452,7 +32465,7 @@
           <a:graphicData uri="http://schemas.openxmlformats.org/presentationml/2006/ole">
             <mc:AlternateContent xmlns:mc="http://schemas.openxmlformats.org/markup-compatibility/2006">
               <mc:Choice xmlns:v="urn:schemas-microsoft-com:vml" Requires="v">
-                <p:oleObj spid="_x0000_s5136" name="Equation" r:id="rId3" imgW="2438280" imgH="444240" progId="Equation.DSMT4">
+                <p:oleObj spid="_x0000_s5141" name="Equation" r:id="rId3" imgW="2438280" imgH="444240" progId="Equation.DSMT4">
                   <p:embed/>
                 </p:oleObj>
               </mc:Choice>
@@ -32521,7 +32534,7 @@
           <a:graphicData uri="http://schemas.openxmlformats.org/presentationml/2006/ole">
             <mc:AlternateContent xmlns:mc="http://schemas.openxmlformats.org/markup-compatibility/2006">
               <mc:Choice xmlns:v="urn:schemas-microsoft-com:vml" Requires="v">
-                <p:oleObj spid="_x0000_s5137" name="Equation" r:id="rId5" imgW="1663560" imgH="291960" progId="Equation.DSMT4">
+                <p:oleObj spid="_x0000_s5142" name="Equation" r:id="rId5" imgW="1663560" imgH="291960" progId="Equation.DSMT4">
                   <p:embed/>
                 </p:oleObj>
               </mc:Choice>
@@ -32584,7 +32597,7 @@
           <a:graphicData uri="http://schemas.openxmlformats.org/presentationml/2006/ole">
             <mc:AlternateContent xmlns:mc="http://schemas.openxmlformats.org/markup-compatibility/2006">
               <mc:Choice xmlns:v="urn:schemas-microsoft-com:vml" Requires="v">
-                <p:oleObj spid="_x0000_s5138" name="Equation" r:id="rId7" imgW="2412720" imgH="444240" progId="Equation.DSMT4">
+                <p:oleObj spid="_x0000_s5143" name="Equation" r:id="rId7" imgW="2412720" imgH="444240" progId="Equation.DSMT4">
                   <p:embed/>
                 </p:oleObj>
               </mc:Choice>
@@ -32647,7 +32660,7 @@
           <a:graphicData uri="http://schemas.openxmlformats.org/presentationml/2006/ole">
             <mc:AlternateContent xmlns:mc="http://schemas.openxmlformats.org/markup-compatibility/2006">
               <mc:Choice xmlns:v="urn:schemas-microsoft-com:vml" Requires="v">
-                <p:oleObj spid="_x0000_s5139" name="Equation" r:id="rId9" imgW="2209680" imgH="444240" progId="Equation.DSMT4">
+                <p:oleObj spid="_x0000_s5144" name="Equation" r:id="rId9" imgW="2209680" imgH="444240" progId="Equation.DSMT4">
                   <p:embed/>
                 </p:oleObj>
               </mc:Choice>
@@ -32710,7 +32723,7 @@
           <a:graphicData uri="http://schemas.openxmlformats.org/presentationml/2006/ole">
             <mc:AlternateContent xmlns:mc="http://schemas.openxmlformats.org/markup-compatibility/2006">
               <mc:Choice xmlns:v="urn:schemas-microsoft-com:vml" Requires="v">
-                <p:oleObj spid="_x0000_s5140" name="Equation" r:id="rId11" imgW="1028520" imgH="583920" progId="Equation.DSMT4">
+                <p:oleObj spid="_x0000_s5145" name="Equation" r:id="rId11" imgW="1028520" imgH="583920" progId="Equation.DSMT4">
                   <p:embed/>
                 </p:oleObj>
               </mc:Choice>

--- a/波动率交易.pptx
+++ b/波动率交易.pptx
@@ -5,7 +5,7 @@
     <p:sldMasterId id="2147483648" r:id="rId1"/>
   </p:sldMasterIdLst>
   <p:notesMasterIdLst>
-    <p:notesMasterId r:id="rId32"/>
+    <p:notesMasterId r:id="rId42"/>
   </p:notesMasterIdLst>
   <p:sldIdLst>
     <p:sldId id="256" r:id="rId2"/>
@@ -37,7 +37,17 @@
     <p:sldId id="288" r:id="rId28"/>
     <p:sldId id="289" r:id="rId29"/>
     <p:sldId id="266" r:id="rId30"/>
-    <p:sldId id="267" r:id="rId31"/>
+    <p:sldId id="290" r:id="rId31"/>
+    <p:sldId id="291" r:id="rId32"/>
+    <p:sldId id="292" r:id="rId33"/>
+    <p:sldId id="293" r:id="rId34"/>
+    <p:sldId id="297" r:id="rId35"/>
+    <p:sldId id="298" r:id="rId36"/>
+    <p:sldId id="299" r:id="rId37"/>
+    <p:sldId id="294" r:id="rId38"/>
+    <p:sldId id="295" r:id="rId39"/>
+    <p:sldId id="296" r:id="rId40"/>
+    <p:sldId id="267" r:id="rId41"/>
   </p:sldIdLst>
   <p:sldSz cx="12192000" cy="6858000"/>
   <p:notesSz cx="6858000" cy="9144000"/>
@@ -15032,6 +15042,1084 @@
 </c:chartSpace>
 </file>
 
+<file path=ppt/charts/chart2.xml><?xml version="1.0" encoding="utf-8"?>
+<c:chartSpace xmlns:c="http://schemas.openxmlformats.org/drawingml/2006/chart" xmlns:a="http://schemas.openxmlformats.org/drawingml/2006/main" xmlns:r="http://schemas.openxmlformats.org/officeDocument/2006/relationships" xmlns:c16r2="http://schemas.microsoft.com/office/drawing/2015/06/chart">
+  <c:date1904 val="0"/>
+  <c:lang val="zh-CN"/>
+  <c:roundedCorners val="0"/>
+  <mc:AlternateContent xmlns:mc="http://schemas.openxmlformats.org/markup-compatibility/2006">
+    <mc:Choice xmlns:c14="http://schemas.microsoft.com/office/drawing/2007/8/2/chart" Requires="c14">
+      <c14:style val="102"/>
+    </mc:Choice>
+    <mc:Fallback>
+      <c:style val="2"/>
+    </mc:Fallback>
+  </mc:AlternateContent>
+  <c:chart>
+    <c:title>
+      <c:tx>
+        <c:rich>
+          <a:bodyPr rot="0" spcFirstLastPara="1" vertOverflow="ellipsis" vert="horz" wrap="square" anchor="ctr" anchorCtr="1"/>
+          <a:lstStyle/>
+          <a:p>
+            <a:pPr>
+              <a:defRPr sz="1400" b="0" i="0" u="none" strike="noStrike" kern="1200" spc="0" baseline="0">
+                <a:solidFill>
+                  <a:schemeClr val="tx1">
+                    <a:lumMod val="65000"/>
+                    <a:lumOff val="35000"/>
+                  </a:schemeClr>
+                </a:solidFill>
+                <a:latin typeface="+mn-lt"/>
+                <a:ea typeface="+mn-ea"/>
+                <a:cs typeface="+mn-cs"/>
+              </a:defRPr>
+            </a:pPr>
+            <a:r>
+              <a:rPr lang="en-US" altLang="zh-CN"/>
+              <a:t>M1801</a:t>
+            </a:r>
+            <a:r>
+              <a:rPr lang="zh-CN" altLang="en-US"/>
+              <a:t>隐含波动率</a:t>
+            </a:r>
+          </a:p>
+        </c:rich>
+      </c:tx>
+      <c:overlay val="0"/>
+      <c:spPr>
+        <a:noFill/>
+        <a:ln>
+          <a:noFill/>
+        </a:ln>
+        <a:effectLst/>
+      </c:spPr>
+      <c:txPr>
+        <a:bodyPr rot="0" spcFirstLastPara="1" vertOverflow="ellipsis" vert="horz" wrap="square" anchor="ctr" anchorCtr="1"/>
+        <a:lstStyle/>
+        <a:p>
+          <a:pPr>
+            <a:defRPr sz="1400" b="0" i="0" u="none" strike="noStrike" kern="1200" spc="0" baseline="0">
+              <a:solidFill>
+                <a:schemeClr val="tx1">
+                  <a:lumMod val="65000"/>
+                  <a:lumOff val="35000"/>
+                </a:schemeClr>
+              </a:solidFill>
+              <a:latin typeface="+mn-lt"/>
+              <a:ea typeface="+mn-ea"/>
+              <a:cs typeface="+mn-cs"/>
+            </a:defRPr>
+          </a:pPr>
+          <a:endParaRPr lang="zh-CN"/>
+        </a:p>
+      </c:txPr>
+    </c:title>
+    <c:autoTitleDeleted val="0"/>
+    <c:plotArea>
+      <c:layout/>
+      <c:lineChart>
+        <c:grouping val="standard"/>
+        <c:varyColors val="0"/>
+        <c:ser>
+          <c:idx val="0"/>
+          <c:order val="0"/>
+          <c:spPr>
+            <a:ln w="28575" cap="rnd">
+              <a:solidFill>
+                <a:schemeClr val="accent1"/>
+              </a:solidFill>
+              <a:round/>
+            </a:ln>
+            <a:effectLst/>
+          </c:spPr>
+          <c:marker>
+            <c:symbol val="none"/>
+          </c:marker>
+          <c:cat>
+            <c:numRef>
+              <c:f>豆粕!$A$21:$A$81</c:f>
+              <c:numCache>
+                <c:formatCode>m/d/yyyy</c:formatCode>
+                <c:ptCount val="61"/>
+                <c:pt idx="0">
+                  <c:v>42857</c:v>
+                </c:pt>
+                <c:pt idx="1">
+                  <c:v>42858</c:v>
+                </c:pt>
+                <c:pt idx="2">
+                  <c:v>42859</c:v>
+                </c:pt>
+                <c:pt idx="3">
+                  <c:v>42860</c:v>
+                </c:pt>
+                <c:pt idx="4">
+                  <c:v>42863</c:v>
+                </c:pt>
+                <c:pt idx="5">
+                  <c:v>42864</c:v>
+                </c:pt>
+                <c:pt idx="6">
+                  <c:v>42865</c:v>
+                </c:pt>
+                <c:pt idx="7">
+                  <c:v>42866</c:v>
+                </c:pt>
+                <c:pt idx="8">
+                  <c:v>42867</c:v>
+                </c:pt>
+                <c:pt idx="9">
+                  <c:v>42870</c:v>
+                </c:pt>
+                <c:pt idx="10">
+                  <c:v>42871</c:v>
+                </c:pt>
+                <c:pt idx="11">
+                  <c:v>42872</c:v>
+                </c:pt>
+                <c:pt idx="12">
+                  <c:v>42873</c:v>
+                </c:pt>
+                <c:pt idx="13">
+                  <c:v>42874</c:v>
+                </c:pt>
+                <c:pt idx="14">
+                  <c:v>42877</c:v>
+                </c:pt>
+                <c:pt idx="15">
+                  <c:v>42878</c:v>
+                </c:pt>
+                <c:pt idx="16">
+                  <c:v>42879</c:v>
+                </c:pt>
+                <c:pt idx="17">
+                  <c:v>42880</c:v>
+                </c:pt>
+                <c:pt idx="18">
+                  <c:v>42881</c:v>
+                </c:pt>
+                <c:pt idx="19">
+                  <c:v>42886</c:v>
+                </c:pt>
+                <c:pt idx="20">
+                  <c:v>42887</c:v>
+                </c:pt>
+                <c:pt idx="21">
+                  <c:v>42888</c:v>
+                </c:pt>
+                <c:pt idx="22">
+                  <c:v>42891</c:v>
+                </c:pt>
+                <c:pt idx="23">
+                  <c:v>42892</c:v>
+                </c:pt>
+                <c:pt idx="24">
+                  <c:v>42895</c:v>
+                </c:pt>
+                <c:pt idx="25">
+                  <c:v>42898</c:v>
+                </c:pt>
+                <c:pt idx="26">
+                  <c:v>42899</c:v>
+                </c:pt>
+                <c:pt idx="27">
+                  <c:v>42900</c:v>
+                </c:pt>
+                <c:pt idx="28">
+                  <c:v>42901</c:v>
+                </c:pt>
+                <c:pt idx="29">
+                  <c:v>42902</c:v>
+                </c:pt>
+                <c:pt idx="30">
+                  <c:v>42905</c:v>
+                </c:pt>
+                <c:pt idx="31">
+                  <c:v>42906</c:v>
+                </c:pt>
+                <c:pt idx="32">
+                  <c:v>42907</c:v>
+                </c:pt>
+                <c:pt idx="33">
+                  <c:v>42908</c:v>
+                </c:pt>
+                <c:pt idx="34">
+                  <c:v>42909</c:v>
+                </c:pt>
+                <c:pt idx="35">
+                  <c:v>42912</c:v>
+                </c:pt>
+                <c:pt idx="36">
+                  <c:v>42913</c:v>
+                </c:pt>
+                <c:pt idx="37">
+                  <c:v>42914</c:v>
+                </c:pt>
+                <c:pt idx="38">
+                  <c:v>42915</c:v>
+                </c:pt>
+                <c:pt idx="39">
+                  <c:v>42916</c:v>
+                </c:pt>
+                <c:pt idx="40">
+                  <c:v>42919</c:v>
+                </c:pt>
+                <c:pt idx="41">
+                  <c:v>42920</c:v>
+                </c:pt>
+                <c:pt idx="42">
+                  <c:v>42921</c:v>
+                </c:pt>
+                <c:pt idx="43">
+                  <c:v>42922</c:v>
+                </c:pt>
+                <c:pt idx="44">
+                  <c:v>42923</c:v>
+                </c:pt>
+                <c:pt idx="45">
+                  <c:v>42926</c:v>
+                </c:pt>
+                <c:pt idx="46">
+                  <c:v>42927</c:v>
+                </c:pt>
+                <c:pt idx="47">
+                  <c:v>42928</c:v>
+                </c:pt>
+                <c:pt idx="48">
+                  <c:v>42929</c:v>
+                </c:pt>
+                <c:pt idx="49">
+                  <c:v>42930</c:v>
+                </c:pt>
+                <c:pt idx="50">
+                  <c:v>42933</c:v>
+                </c:pt>
+                <c:pt idx="51">
+                  <c:v>42934</c:v>
+                </c:pt>
+                <c:pt idx="52">
+                  <c:v>42935</c:v>
+                </c:pt>
+                <c:pt idx="53">
+                  <c:v>42936</c:v>
+                </c:pt>
+                <c:pt idx="54">
+                  <c:v>42937</c:v>
+                </c:pt>
+                <c:pt idx="55">
+                  <c:v>42940</c:v>
+                </c:pt>
+                <c:pt idx="56">
+                  <c:v>42941</c:v>
+                </c:pt>
+                <c:pt idx="57">
+                  <c:v>42942</c:v>
+                </c:pt>
+                <c:pt idx="58">
+                  <c:v>42943</c:v>
+                </c:pt>
+                <c:pt idx="59">
+                  <c:v>42944</c:v>
+                </c:pt>
+                <c:pt idx="60">
+                  <c:v>42947</c:v>
+                </c:pt>
+              </c:numCache>
+            </c:numRef>
+          </c:cat>
+          <c:val>
+            <c:numRef>
+              <c:f>豆粕!$G$21:$G$81</c:f>
+              <c:numCache>
+                <c:formatCode>General</c:formatCode>
+                <c:ptCount val="61"/>
+                <c:pt idx="0">
+                  <c:v>13.71</c:v>
+                </c:pt>
+                <c:pt idx="1">
+                  <c:v>13.52</c:v>
+                </c:pt>
+                <c:pt idx="2">
+                  <c:v>13.39</c:v>
+                </c:pt>
+                <c:pt idx="3">
+                  <c:v>13.51</c:v>
+                </c:pt>
+                <c:pt idx="4">
+                  <c:v>13.93</c:v>
+                </c:pt>
+                <c:pt idx="5">
+                  <c:v>13.88</c:v>
+                </c:pt>
+                <c:pt idx="6">
+                  <c:v>14.09</c:v>
+                </c:pt>
+                <c:pt idx="7">
+                  <c:v>13.89</c:v>
+                </c:pt>
+                <c:pt idx="8">
+                  <c:v>13.81</c:v>
+                </c:pt>
+                <c:pt idx="9">
+                  <c:v>14.08</c:v>
+                </c:pt>
+                <c:pt idx="10">
+                  <c:v>13.91</c:v>
+                </c:pt>
+                <c:pt idx="11">
+                  <c:v>13.58</c:v>
+                </c:pt>
+                <c:pt idx="12">
+                  <c:v>13.53</c:v>
+                </c:pt>
+                <c:pt idx="13">
+                  <c:v>13.91</c:v>
+                </c:pt>
+                <c:pt idx="14">
+                  <c:v>13.82</c:v>
+                </c:pt>
+                <c:pt idx="15">
+                  <c:v>13.78</c:v>
+                </c:pt>
+                <c:pt idx="16">
+                  <c:v>14.09</c:v>
+                </c:pt>
+                <c:pt idx="17">
+                  <c:v>14.02</c:v>
+                </c:pt>
+                <c:pt idx="18">
+                  <c:v>14.59</c:v>
+                </c:pt>
+                <c:pt idx="19">
+                  <c:v>15.92</c:v>
+                </c:pt>
+                <c:pt idx="20">
+                  <c:v>16.16</c:v>
+                </c:pt>
+                <c:pt idx="21">
+                  <c:v>16.329999999999998</c:v>
+                </c:pt>
+                <c:pt idx="22">
+                  <c:v>16.13</c:v>
+                </c:pt>
+                <c:pt idx="23">
+                  <c:v>16.03</c:v>
+                </c:pt>
+                <c:pt idx="24">
+                  <c:v>17.37</c:v>
+                </c:pt>
+                <c:pt idx="25">
+                  <c:v>17.940000000000001</c:v>
+                </c:pt>
+                <c:pt idx="26">
+                  <c:v>18.09</c:v>
+                </c:pt>
+                <c:pt idx="27">
+                  <c:v>18.23</c:v>
+                </c:pt>
+                <c:pt idx="28">
+                  <c:v>18.100000000000001</c:v>
+                </c:pt>
+                <c:pt idx="29">
+                  <c:v>17.329999999999998</c:v>
+                </c:pt>
+                <c:pt idx="30">
+                  <c:v>18.03</c:v>
+                </c:pt>
+                <c:pt idx="31">
+                  <c:v>17.899999999999999</c:v>
+                </c:pt>
+                <c:pt idx="32">
+                  <c:v>17.7</c:v>
+                </c:pt>
+                <c:pt idx="33">
+                  <c:v>17.149999999999999</c:v>
+                </c:pt>
+                <c:pt idx="34">
+                  <c:v>17.86</c:v>
+                </c:pt>
+                <c:pt idx="35">
+                  <c:v>18.38</c:v>
+                </c:pt>
+                <c:pt idx="36">
+                  <c:v>18.809999999999999</c:v>
+                </c:pt>
+                <c:pt idx="37">
+                  <c:v>18.89</c:v>
+                </c:pt>
+                <c:pt idx="38">
+                  <c:v>18.82</c:v>
+                </c:pt>
+                <c:pt idx="39">
+                  <c:v>19.149999999999999</c:v>
+                </c:pt>
+                <c:pt idx="40">
+                  <c:v>18.8</c:v>
+                </c:pt>
+                <c:pt idx="41">
+                  <c:v>18.96</c:v>
+                </c:pt>
+                <c:pt idx="42">
+                  <c:v>19.27</c:v>
+                </c:pt>
+                <c:pt idx="43">
+                  <c:v>19.579999999999998</c:v>
+                </c:pt>
+                <c:pt idx="44">
+                  <c:v>19.57</c:v>
+                </c:pt>
+                <c:pt idx="45">
+                  <c:v>20.399999999999999</c:v>
+                </c:pt>
+                <c:pt idx="46">
+                  <c:v>21.22</c:v>
+                </c:pt>
+                <c:pt idx="47">
+                  <c:v>22.29</c:v>
+                </c:pt>
+                <c:pt idx="48">
+                  <c:v>22.82</c:v>
+                </c:pt>
+                <c:pt idx="49">
+                  <c:v>22.95</c:v>
+                </c:pt>
+                <c:pt idx="50">
+                  <c:v>23.44</c:v>
+                </c:pt>
+                <c:pt idx="51">
+                  <c:v>22.93</c:v>
+                </c:pt>
+                <c:pt idx="52">
+                  <c:v>23.06</c:v>
+                </c:pt>
+                <c:pt idx="53">
+                  <c:v>23.13</c:v>
+                </c:pt>
+                <c:pt idx="54">
+                  <c:v>22.89</c:v>
+                </c:pt>
+                <c:pt idx="55">
+                  <c:v>22.26</c:v>
+                </c:pt>
+                <c:pt idx="56">
+                  <c:v>22.88</c:v>
+                </c:pt>
+                <c:pt idx="57">
+                  <c:v>23.01</c:v>
+                </c:pt>
+                <c:pt idx="58">
+                  <c:v>22.74</c:v>
+                </c:pt>
+                <c:pt idx="59">
+                  <c:v>22.59</c:v>
+                </c:pt>
+                <c:pt idx="60">
+                  <c:v>22.91</c:v>
+                </c:pt>
+              </c:numCache>
+            </c:numRef>
+          </c:val>
+          <c:smooth val="0"/>
+          <c:extLst>
+            <c:ext xmlns:c16="http://schemas.microsoft.com/office/drawing/2014/chart" uri="{C3380CC4-5D6E-409C-BE32-E72D297353CC}">
+              <c16:uniqueId val="{00000000-4A96-4670-B979-18F3A2220AF7}"/>
+            </c:ext>
+          </c:extLst>
+        </c:ser>
+        <c:dLbls>
+          <c:showLegendKey val="0"/>
+          <c:showVal val="0"/>
+          <c:showCatName val="0"/>
+          <c:showSerName val="0"/>
+          <c:showPercent val="0"/>
+          <c:showBubbleSize val="0"/>
+        </c:dLbls>
+        <c:smooth val="0"/>
+        <c:axId val="826180959"/>
+        <c:axId val="823206255"/>
+      </c:lineChart>
+      <c:dateAx>
+        <c:axId val="826180959"/>
+        <c:scaling>
+          <c:orientation val="minMax"/>
+        </c:scaling>
+        <c:delete val="0"/>
+        <c:axPos val="b"/>
+        <c:numFmt formatCode="m/d/yyyy" sourceLinked="1"/>
+        <c:majorTickMark val="none"/>
+        <c:minorTickMark val="none"/>
+        <c:tickLblPos val="nextTo"/>
+        <c:spPr>
+          <a:noFill/>
+          <a:ln w="9525" cap="flat" cmpd="sng" algn="ctr">
+            <a:solidFill>
+              <a:schemeClr val="tx1">
+                <a:lumMod val="15000"/>
+                <a:lumOff val="85000"/>
+              </a:schemeClr>
+            </a:solidFill>
+            <a:round/>
+          </a:ln>
+          <a:effectLst/>
+        </c:spPr>
+        <c:txPr>
+          <a:bodyPr rot="-60000000" spcFirstLastPara="1" vertOverflow="ellipsis" vert="horz" wrap="square" anchor="ctr" anchorCtr="1"/>
+          <a:lstStyle/>
+          <a:p>
+            <a:pPr>
+              <a:defRPr sz="900" b="0" i="0" u="none" strike="noStrike" kern="1200" baseline="0">
+                <a:solidFill>
+                  <a:schemeClr val="tx1">
+                    <a:lumMod val="65000"/>
+                    <a:lumOff val="35000"/>
+                  </a:schemeClr>
+                </a:solidFill>
+                <a:latin typeface="+mn-lt"/>
+                <a:ea typeface="+mn-ea"/>
+                <a:cs typeface="+mn-cs"/>
+              </a:defRPr>
+            </a:pPr>
+            <a:endParaRPr lang="zh-CN"/>
+          </a:p>
+        </c:txPr>
+        <c:crossAx val="823206255"/>
+        <c:crosses val="autoZero"/>
+        <c:auto val="1"/>
+        <c:lblOffset val="100"/>
+        <c:baseTimeUnit val="days"/>
+      </c:dateAx>
+      <c:valAx>
+        <c:axId val="823206255"/>
+        <c:scaling>
+          <c:orientation val="minMax"/>
+        </c:scaling>
+        <c:delete val="0"/>
+        <c:axPos val="l"/>
+        <c:majorGridlines>
+          <c:spPr>
+            <a:ln w="9525" cap="flat" cmpd="sng" algn="ctr">
+              <a:solidFill>
+                <a:schemeClr val="tx1">
+                  <a:lumMod val="15000"/>
+                  <a:lumOff val="85000"/>
+                </a:schemeClr>
+              </a:solidFill>
+              <a:round/>
+            </a:ln>
+            <a:effectLst/>
+          </c:spPr>
+        </c:majorGridlines>
+        <c:numFmt formatCode="General" sourceLinked="1"/>
+        <c:majorTickMark val="none"/>
+        <c:minorTickMark val="none"/>
+        <c:tickLblPos val="nextTo"/>
+        <c:spPr>
+          <a:noFill/>
+          <a:ln>
+            <a:noFill/>
+          </a:ln>
+          <a:effectLst/>
+        </c:spPr>
+        <c:txPr>
+          <a:bodyPr rot="-60000000" spcFirstLastPara="1" vertOverflow="ellipsis" vert="horz" wrap="square" anchor="ctr" anchorCtr="1"/>
+          <a:lstStyle/>
+          <a:p>
+            <a:pPr>
+              <a:defRPr sz="900" b="0" i="0" u="none" strike="noStrike" kern="1200" baseline="0">
+                <a:solidFill>
+                  <a:schemeClr val="tx1">
+                    <a:lumMod val="65000"/>
+                    <a:lumOff val="35000"/>
+                  </a:schemeClr>
+                </a:solidFill>
+                <a:latin typeface="+mn-lt"/>
+                <a:ea typeface="+mn-ea"/>
+                <a:cs typeface="+mn-cs"/>
+              </a:defRPr>
+            </a:pPr>
+            <a:endParaRPr lang="zh-CN"/>
+          </a:p>
+        </c:txPr>
+        <c:crossAx val="826180959"/>
+        <c:crosses val="autoZero"/>
+        <c:crossBetween val="between"/>
+      </c:valAx>
+      <c:spPr>
+        <a:noFill/>
+        <a:ln>
+          <a:noFill/>
+        </a:ln>
+        <a:effectLst/>
+      </c:spPr>
+    </c:plotArea>
+    <c:plotVisOnly val="1"/>
+    <c:dispBlanksAs val="gap"/>
+    <c:showDLblsOverMax val="0"/>
+  </c:chart>
+  <c:spPr>
+    <a:noFill/>
+    <a:ln>
+      <a:noFill/>
+    </a:ln>
+    <a:effectLst/>
+  </c:spPr>
+  <c:txPr>
+    <a:bodyPr/>
+    <a:lstStyle/>
+    <a:p>
+      <a:pPr>
+        <a:defRPr/>
+      </a:pPr>
+      <a:endParaRPr lang="zh-CN"/>
+    </a:p>
+  </c:txPr>
+  <c:externalData r:id="rId3">
+    <c:autoUpdate val="0"/>
+  </c:externalData>
+</c:chartSpace>
+</file>
+
+<file path=ppt/charts/chart3.xml><?xml version="1.0" encoding="utf-8"?>
+<c:chartSpace xmlns:c="http://schemas.openxmlformats.org/drawingml/2006/chart" xmlns:a="http://schemas.openxmlformats.org/drawingml/2006/main" xmlns:r="http://schemas.openxmlformats.org/officeDocument/2006/relationships" xmlns:c16r2="http://schemas.microsoft.com/office/drawing/2015/06/chart">
+  <c:date1904 val="0"/>
+  <c:lang val="zh-CN"/>
+  <c:roundedCorners val="0"/>
+  <mc:AlternateContent xmlns:mc="http://schemas.openxmlformats.org/markup-compatibility/2006">
+    <mc:Choice xmlns:c14="http://schemas.microsoft.com/office/drawing/2007/8/2/chart" Requires="c14">
+      <c14:style val="102"/>
+    </mc:Choice>
+    <mc:Fallback>
+      <c:style val="2"/>
+    </mc:Fallback>
+  </mc:AlternateContent>
+  <c:chart>
+    <c:autoTitleDeleted val="0"/>
+    <c:plotArea>
+      <c:layout/>
+      <c:lineChart>
+        <c:grouping val="standard"/>
+        <c:varyColors val="0"/>
+        <c:ser>
+          <c:idx val="0"/>
+          <c:order val="0"/>
+          <c:tx>
+            <c:strRef>
+              <c:f>Sheet1!$A$2</c:f>
+              <c:strCache>
+                <c:ptCount val="1"/>
+                <c:pt idx="0">
+                  <c:v>5%</c:v>
+                </c:pt>
+              </c:strCache>
+            </c:strRef>
+          </c:tx>
+          <c:marker>
+            <c:symbol val="none"/>
+          </c:marker>
+          <c:cat>
+            <c:strRef>
+              <c:f>Sheet1!$B$1:$F$1</c:f>
+              <c:strCache>
+                <c:ptCount val="5"/>
+                <c:pt idx="0">
+                  <c:v>1日</c:v>
+                </c:pt>
+                <c:pt idx="1">
+                  <c:v>5日</c:v>
+                </c:pt>
+                <c:pt idx="2">
+                  <c:v>20日</c:v>
+                </c:pt>
+                <c:pt idx="3">
+                  <c:v>60日</c:v>
+                </c:pt>
+                <c:pt idx="4">
+                  <c:v>200日</c:v>
+                </c:pt>
+              </c:strCache>
+            </c:strRef>
+          </c:cat>
+          <c:val>
+            <c:numRef>
+              <c:f>Sheet1!$B$2:$F$2</c:f>
+              <c:numCache>
+                <c:formatCode>General</c:formatCode>
+                <c:ptCount val="5"/>
+                <c:pt idx="0">
+                  <c:v>7.1300000000000002E-2</c:v>
+                </c:pt>
+                <c:pt idx="1">
+                  <c:v>8.4010000000000001E-2</c:v>
+                </c:pt>
+                <c:pt idx="2">
+                  <c:v>9.4259999999999997E-2</c:v>
+                </c:pt>
+                <c:pt idx="3">
+                  <c:v>0.1036</c:v>
+                </c:pt>
+                <c:pt idx="4">
+                  <c:v>0.14776</c:v>
+                </c:pt>
+              </c:numCache>
+            </c:numRef>
+          </c:val>
+          <c:smooth val="0"/>
+          <c:extLst>
+            <c:ext xmlns:c16="http://schemas.microsoft.com/office/drawing/2014/chart" uri="{C3380CC4-5D6E-409C-BE32-E72D297353CC}">
+              <c16:uniqueId val="{00000000-28C7-4CEC-BD30-5F48E5EA4317}"/>
+            </c:ext>
+          </c:extLst>
+        </c:ser>
+        <c:ser>
+          <c:idx val="1"/>
+          <c:order val="1"/>
+          <c:tx>
+            <c:strRef>
+              <c:f>Sheet1!$A$3</c:f>
+              <c:strCache>
+                <c:ptCount val="1"/>
+                <c:pt idx="0">
+                  <c:v>10%</c:v>
+                </c:pt>
+              </c:strCache>
+            </c:strRef>
+          </c:tx>
+          <c:marker>
+            <c:symbol val="none"/>
+          </c:marker>
+          <c:val>
+            <c:numRef>
+              <c:f>Sheet1!$B$3:$G$3</c:f>
+              <c:numCache>
+                <c:formatCode>General</c:formatCode>
+                <c:ptCount val="6"/>
+                <c:pt idx="0">
+                  <c:v>8.1600000000000006E-2</c:v>
+                </c:pt>
+                <c:pt idx="1">
+                  <c:v>9.6299999999999997E-2</c:v>
+                </c:pt>
+                <c:pt idx="2">
+                  <c:v>0.10696</c:v>
+                </c:pt>
+                <c:pt idx="3">
+                  <c:v>0.11061</c:v>
+                </c:pt>
+                <c:pt idx="4">
+                  <c:v>0.15837000000000001</c:v>
+                </c:pt>
+              </c:numCache>
+            </c:numRef>
+          </c:val>
+          <c:smooth val="0"/>
+          <c:extLst>
+            <c:ext xmlns:c16="http://schemas.microsoft.com/office/drawing/2014/chart" uri="{C3380CC4-5D6E-409C-BE32-E72D297353CC}">
+              <c16:uniqueId val="{00000001-28C7-4CEC-BD30-5F48E5EA4317}"/>
+            </c:ext>
+          </c:extLst>
+        </c:ser>
+        <c:ser>
+          <c:idx val="2"/>
+          <c:order val="2"/>
+          <c:tx>
+            <c:strRef>
+              <c:f>Sheet1!$A$4</c:f>
+              <c:strCache>
+                <c:ptCount val="1"/>
+                <c:pt idx="0">
+                  <c:v>25%</c:v>
+                </c:pt>
+              </c:strCache>
+            </c:strRef>
+          </c:tx>
+          <c:marker>
+            <c:symbol val="none"/>
+          </c:marker>
+          <c:val>
+            <c:numRef>
+              <c:f>Sheet1!$B$4:$F$4</c:f>
+              <c:numCache>
+                <c:formatCode>General</c:formatCode>
+                <c:ptCount val="5"/>
+                <c:pt idx="0">
+                  <c:v>0.12425</c:v>
+                </c:pt>
+                <c:pt idx="1">
+                  <c:v>0.13239999999999999</c:v>
+                </c:pt>
+                <c:pt idx="2">
+                  <c:v>0.12970000000000001</c:v>
+                </c:pt>
+                <c:pt idx="3">
+                  <c:v>0.12920000000000001</c:v>
+                </c:pt>
+                <c:pt idx="4">
+                  <c:v>0.19800000000000001</c:v>
+                </c:pt>
+              </c:numCache>
+            </c:numRef>
+          </c:val>
+          <c:smooth val="0"/>
+          <c:extLst>
+            <c:ext xmlns:c16="http://schemas.microsoft.com/office/drawing/2014/chart" uri="{C3380CC4-5D6E-409C-BE32-E72D297353CC}">
+              <c16:uniqueId val="{00000002-28C7-4CEC-BD30-5F48E5EA4317}"/>
+            </c:ext>
+          </c:extLst>
+        </c:ser>
+        <c:ser>
+          <c:idx val="3"/>
+          <c:order val="3"/>
+          <c:tx>
+            <c:strRef>
+              <c:f>Sheet1!$A$5</c:f>
+              <c:strCache>
+                <c:ptCount val="1"/>
+                <c:pt idx="0">
+                  <c:v>50%</c:v>
+                </c:pt>
+              </c:strCache>
+            </c:strRef>
+          </c:tx>
+          <c:marker>
+            <c:symbol val="none"/>
+          </c:marker>
+          <c:val>
+            <c:numRef>
+              <c:f>Sheet1!$B$5:$F$5</c:f>
+              <c:numCache>
+                <c:formatCode>General</c:formatCode>
+                <c:ptCount val="5"/>
+                <c:pt idx="0">
+                  <c:v>0.25722600000000001</c:v>
+                </c:pt>
+                <c:pt idx="1">
+                  <c:v>0.26747199999999999</c:v>
+                </c:pt>
+                <c:pt idx="2">
+                  <c:v>0.27623399999999998</c:v>
+                </c:pt>
+                <c:pt idx="3">
+                  <c:v>0.28521999999999997</c:v>
+                </c:pt>
+                <c:pt idx="4">
+                  <c:v>0.31443599999999999</c:v>
+                </c:pt>
+              </c:numCache>
+            </c:numRef>
+          </c:val>
+          <c:smooth val="0"/>
+          <c:extLst>
+            <c:ext xmlns:c16="http://schemas.microsoft.com/office/drawing/2014/chart" uri="{C3380CC4-5D6E-409C-BE32-E72D297353CC}">
+              <c16:uniqueId val="{00000003-28C7-4CEC-BD30-5F48E5EA4317}"/>
+            </c:ext>
+          </c:extLst>
+        </c:ser>
+        <c:ser>
+          <c:idx val="4"/>
+          <c:order val="4"/>
+          <c:tx>
+            <c:strRef>
+              <c:f>Sheet1!$A$6</c:f>
+              <c:strCache>
+                <c:ptCount val="1"/>
+                <c:pt idx="0">
+                  <c:v>75%</c:v>
+                </c:pt>
+              </c:strCache>
+            </c:strRef>
+          </c:tx>
+          <c:marker>
+            <c:symbol val="none"/>
+          </c:marker>
+          <c:val>
+            <c:numRef>
+              <c:f>Sheet1!$B$6:$F$6</c:f>
+              <c:numCache>
+                <c:formatCode>General</c:formatCode>
+                <c:ptCount val="5"/>
+                <c:pt idx="0">
+                  <c:v>0.31240000000000001</c:v>
+                </c:pt>
+                <c:pt idx="1">
+                  <c:v>0.33729999999999999</c:v>
+                </c:pt>
+                <c:pt idx="2">
+                  <c:v>0.33489999999999998</c:v>
+                </c:pt>
+                <c:pt idx="3">
+                  <c:v>0.3659</c:v>
+                </c:pt>
+                <c:pt idx="4">
+                  <c:v>0.42880000000000001</c:v>
+                </c:pt>
+              </c:numCache>
+            </c:numRef>
+          </c:val>
+          <c:smooth val="0"/>
+          <c:extLst>
+            <c:ext xmlns:c16="http://schemas.microsoft.com/office/drawing/2014/chart" uri="{C3380CC4-5D6E-409C-BE32-E72D297353CC}">
+              <c16:uniqueId val="{00000004-28C7-4CEC-BD30-5F48E5EA4317}"/>
+            </c:ext>
+          </c:extLst>
+        </c:ser>
+        <c:ser>
+          <c:idx val="5"/>
+          <c:order val="5"/>
+          <c:tx>
+            <c:strRef>
+              <c:f>Sheet1!$A$7</c:f>
+              <c:strCache>
+                <c:ptCount val="1"/>
+                <c:pt idx="0">
+                  <c:v>90%</c:v>
+                </c:pt>
+              </c:strCache>
+            </c:strRef>
+          </c:tx>
+          <c:marker>
+            <c:symbol val="none"/>
+          </c:marker>
+          <c:val>
+            <c:numRef>
+              <c:f>Sheet1!$B$7:$F$7</c:f>
+              <c:numCache>
+                <c:formatCode>General</c:formatCode>
+                <c:ptCount val="5"/>
+                <c:pt idx="0">
+                  <c:v>0.44950000000000001</c:v>
+                </c:pt>
+                <c:pt idx="1">
+                  <c:v>0.45379999999999998</c:v>
+                </c:pt>
+                <c:pt idx="2">
+                  <c:v>0.48720999999999998</c:v>
+                </c:pt>
+                <c:pt idx="3">
+                  <c:v>0.58430000000000004</c:v>
+                </c:pt>
+                <c:pt idx="4">
+                  <c:v>0.43702000000000002</c:v>
+                </c:pt>
+              </c:numCache>
+            </c:numRef>
+          </c:val>
+          <c:smooth val="0"/>
+          <c:extLst>
+            <c:ext xmlns:c16="http://schemas.microsoft.com/office/drawing/2014/chart" uri="{C3380CC4-5D6E-409C-BE32-E72D297353CC}">
+              <c16:uniqueId val="{00000005-28C7-4CEC-BD30-5F48E5EA4317}"/>
+            </c:ext>
+          </c:extLst>
+        </c:ser>
+        <c:ser>
+          <c:idx val="6"/>
+          <c:order val="6"/>
+          <c:tx>
+            <c:strRef>
+              <c:f>Sheet1!$A$8</c:f>
+              <c:strCache>
+                <c:ptCount val="1"/>
+                <c:pt idx="0">
+                  <c:v>95%</c:v>
+                </c:pt>
+              </c:strCache>
+            </c:strRef>
+          </c:tx>
+          <c:marker>
+            <c:symbol val="none"/>
+          </c:marker>
+          <c:val>
+            <c:numRef>
+              <c:f>Sheet1!$B$8:$F$8</c:f>
+              <c:numCache>
+                <c:formatCode>General</c:formatCode>
+                <c:ptCount val="5"/>
+                <c:pt idx="0">
+                  <c:v>0.63444999999999996</c:v>
+                </c:pt>
+                <c:pt idx="1">
+                  <c:v>0.61177999999999999</c:v>
+                </c:pt>
+                <c:pt idx="2">
+                  <c:v>0.59396000000000004</c:v>
+                </c:pt>
+                <c:pt idx="3">
+                  <c:v>0.59792000000000001</c:v>
+                </c:pt>
+                <c:pt idx="4">
+                  <c:v>0.45034000000000002</c:v>
+                </c:pt>
+              </c:numCache>
+            </c:numRef>
+          </c:val>
+          <c:smooth val="0"/>
+          <c:extLst>
+            <c:ext xmlns:c16="http://schemas.microsoft.com/office/drawing/2014/chart" uri="{C3380CC4-5D6E-409C-BE32-E72D297353CC}">
+              <c16:uniqueId val="{00000006-28C7-4CEC-BD30-5F48E5EA4317}"/>
+            </c:ext>
+          </c:extLst>
+        </c:ser>
+        <c:dLbls>
+          <c:showLegendKey val="0"/>
+          <c:showVal val="0"/>
+          <c:showCatName val="0"/>
+          <c:showSerName val="0"/>
+          <c:showPercent val="0"/>
+          <c:showBubbleSize val="0"/>
+        </c:dLbls>
+        <c:smooth val="0"/>
+        <c:axId val="128257024"/>
+        <c:axId val="128312064"/>
+      </c:lineChart>
+      <c:catAx>
+        <c:axId val="128257024"/>
+        <c:scaling>
+          <c:orientation val="minMax"/>
+        </c:scaling>
+        <c:delete val="0"/>
+        <c:axPos val="b"/>
+        <c:numFmt formatCode="General" sourceLinked="0"/>
+        <c:majorTickMark val="out"/>
+        <c:minorTickMark val="none"/>
+        <c:tickLblPos val="nextTo"/>
+        <c:crossAx val="128312064"/>
+        <c:crosses val="autoZero"/>
+        <c:auto val="1"/>
+        <c:lblAlgn val="ctr"/>
+        <c:lblOffset val="100"/>
+        <c:noMultiLvlLbl val="0"/>
+      </c:catAx>
+      <c:valAx>
+        <c:axId val="128312064"/>
+        <c:scaling>
+          <c:orientation val="minMax"/>
+        </c:scaling>
+        <c:delete val="0"/>
+        <c:axPos val="l"/>
+        <c:majorGridlines/>
+        <c:numFmt formatCode="General" sourceLinked="1"/>
+        <c:majorTickMark val="out"/>
+        <c:minorTickMark val="none"/>
+        <c:tickLblPos val="nextTo"/>
+        <c:crossAx val="128257024"/>
+        <c:crosses val="autoZero"/>
+        <c:crossBetween val="between"/>
+      </c:valAx>
+    </c:plotArea>
+    <c:legend>
+      <c:legendPos val="r"/>
+      <c:overlay val="0"/>
+    </c:legend>
+    <c:plotVisOnly val="1"/>
+    <c:dispBlanksAs val="gap"/>
+    <c:showDLblsOverMax val="0"/>
+  </c:chart>
+  <c:externalData r:id="rId1">
+    <c:autoUpdate val="0"/>
+  </c:externalData>
+</c:chartSpace>
+</file>
+
 <file path=ppt/charts/colors1.xml><?xml version="1.0" encoding="utf-8"?>
 <cs:colorStyle xmlns:cs="http://schemas.microsoft.com/office/drawing/2012/chartStyle" xmlns:a="http://schemas.openxmlformats.org/drawingml/2006/main" meth="cycle" id="10">
   <a:schemeClr val="accent1"/>
@@ -15072,7 +16160,563 @@
 </cs:colorStyle>
 </file>
 
+<file path=ppt/charts/colors2.xml><?xml version="1.0" encoding="utf-8"?>
+<cs:colorStyle xmlns:cs="http://schemas.microsoft.com/office/drawing/2012/chartStyle" xmlns:a="http://schemas.openxmlformats.org/drawingml/2006/main" meth="cycle" id="10">
+  <a:schemeClr val="accent1"/>
+  <a:schemeClr val="accent2"/>
+  <a:schemeClr val="accent3"/>
+  <a:schemeClr val="accent4"/>
+  <a:schemeClr val="accent5"/>
+  <a:schemeClr val="accent6"/>
+  <cs:variation/>
+  <cs:variation>
+    <a:lumMod val="60000"/>
+  </cs:variation>
+  <cs:variation>
+    <a:lumMod val="80000"/>
+    <a:lumOff val="20000"/>
+  </cs:variation>
+  <cs:variation>
+    <a:lumMod val="80000"/>
+  </cs:variation>
+  <cs:variation>
+    <a:lumMod val="60000"/>
+    <a:lumOff val="40000"/>
+  </cs:variation>
+  <cs:variation>
+    <a:lumMod val="50000"/>
+  </cs:variation>
+  <cs:variation>
+    <a:lumMod val="70000"/>
+    <a:lumOff val="30000"/>
+  </cs:variation>
+  <cs:variation>
+    <a:lumMod val="70000"/>
+  </cs:variation>
+  <cs:variation>
+    <a:lumMod val="50000"/>
+    <a:lumOff val="50000"/>
+  </cs:variation>
+</cs:colorStyle>
+</file>
+
 <file path=ppt/charts/style1.xml><?xml version="1.0" encoding="utf-8"?>
+<cs:chartStyle xmlns:cs="http://schemas.microsoft.com/office/drawing/2012/chartStyle" xmlns:a="http://schemas.openxmlformats.org/drawingml/2006/main" id="227">
+  <cs:axisTitle>
+    <cs:lnRef idx="0"/>
+    <cs:fillRef idx="0"/>
+    <cs:effectRef idx="0"/>
+    <cs:fontRef idx="minor">
+      <a:schemeClr val="tx1">
+        <a:lumMod val="65000"/>
+        <a:lumOff val="35000"/>
+      </a:schemeClr>
+    </cs:fontRef>
+    <cs:defRPr sz="1000" kern="1200"/>
+  </cs:axisTitle>
+  <cs:categoryAxis>
+    <cs:lnRef idx="0"/>
+    <cs:fillRef idx="0"/>
+    <cs:effectRef idx="0"/>
+    <cs:fontRef idx="minor">
+      <a:schemeClr val="tx1">
+        <a:lumMod val="65000"/>
+        <a:lumOff val="35000"/>
+      </a:schemeClr>
+    </cs:fontRef>
+    <cs:spPr>
+      <a:ln w="9525" cap="flat" cmpd="sng" algn="ctr">
+        <a:solidFill>
+          <a:schemeClr val="tx1">
+            <a:lumMod val="15000"/>
+            <a:lumOff val="85000"/>
+          </a:schemeClr>
+        </a:solidFill>
+        <a:round/>
+      </a:ln>
+    </cs:spPr>
+    <cs:defRPr sz="900" kern="1200"/>
+  </cs:categoryAxis>
+  <cs:chartArea mods="allowNoFillOverride allowNoLineOverride">
+    <cs:lnRef idx="0"/>
+    <cs:fillRef idx="0"/>
+    <cs:effectRef idx="0"/>
+    <cs:fontRef idx="minor">
+      <a:schemeClr val="tx1"/>
+    </cs:fontRef>
+    <cs:spPr>
+      <a:solidFill>
+        <a:schemeClr val="bg1"/>
+      </a:solidFill>
+      <a:ln w="9525" cap="flat" cmpd="sng" algn="ctr">
+        <a:solidFill>
+          <a:schemeClr val="tx1">
+            <a:lumMod val="15000"/>
+            <a:lumOff val="85000"/>
+          </a:schemeClr>
+        </a:solidFill>
+        <a:round/>
+      </a:ln>
+    </cs:spPr>
+    <cs:defRPr sz="1000" kern="1200"/>
+  </cs:chartArea>
+  <cs:dataLabel>
+    <cs:lnRef idx="0"/>
+    <cs:fillRef idx="0"/>
+    <cs:effectRef idx="0"/>
+    <cs:fontRef idx="minor">
+      <a:schemeClr val="tx1">
+        <a:lumMod val="75000"/>
+        <a:lumOff val="25000"/>
+      </a:schemeClr>
+    </cs:fontRef>
+    <cs:defRPr sz="900" kern="1200"/>
+  </cs:dataLabel>
+  <cs:dataLabelCallout>
+    <cs:lnRef idx="0"/>
+    <cs:fillRef idx="0"/>
+    <cs:effectRef idx="0"/>
+    <cs:fontRef idx="minor">
+      <a:schemeClr val="dk1">
+        <a:lumMod val="65000"/>
+        <a:lumOff val="35000"/>
+      </a:schemeClr>
+    </cs:fontRef>
+    <cs:spPr>
+      <a:solidFill>
+        <a:schemeClr val="lt1"/>
+      </a:solidFill>
+      <a:ln>
+        <a:solidFill>
+          <a:schemeClr val="dk1">
+            <a:lumMod val="25000"/>
+            <a:lumOff val="75000"/>
+          </a:schemeClr>
+        </a:solidFill>
+      </a:ln>
+    </cs:spPr>
+    <cs:defRPr sz="900" kern="1200"/>
+    <cs:bodyPr rot="0" spcFirstLastPara="1" vertOverflow="clip" horzOverflow="clip" vert="horz" wrap="square" lIns="36576" tIns="18288" rIns="36576" bIns="18288" anchor="ctr" anchorCtr="1">
+      <a:spAutoFit/>
+    </cs:bodyPr>
+  </cs:dataLabelCallout>
+  <cs:dataPoint>
+    <cs:lnRef idx="0"/>
+    <cs:fillRef idx="1">
+      <cs:styleClr val="auto"/>
+    </cs:fillRef>
+    <cs:effectRef idx="0"/>
+    <cs:fontRef idx="minor">
+      <a:schemeClr val="tx1"/>
+    </cs:fontRef>
+    <cs:spPr>
+      <a:solidFill>
+        <a:schemeClr val="phClr"/>
+      </a:solidFill>
+    </cs:spPr>
+  </cs:dataPoint>
+  <cs:dataPoint3D>
+    <cs:lnRef idx="0"/>
+    <cs:fillRef idx="1">
+      <cs:styleClr val="auto"/>
+    </cs:fillRef>
+    <cs:effectRef idx="0"/>
+    <cs:fontRef idx="minor">
+      <a:schemeClr val="tx1"/>
+    </cs:fontRef>
+    <cs:spPr>
+      <a:solidFill>
+        <a:schemeClr val="phClr"/>
+      </a:solidFill>
+    </cs:spPr>
+  </cs:dataPoint3D>
+  <cs:dataPointLine>
+    <cs:lnRef idx="0">
+      <cs:styleClr val="auto"/>
+    </cs:lnRef>
+    <cs:fillRef idx="1"/>
+    <cs:effectRef idx="0"/>
+    <cs:fontRef idx="minor">
+      <a:schemeClr val="tx1"/>
+    </cs:fontRef>
+    <cs:spPr>
+      <a:ln w="28575" cap="rnd">
+        <a:solidFill>
+          <a:schemeClr val="phClr"/>
+        </a:solidFill>
+        <a:round/>
+      </a:ln>
+    </cs:spPr>
+  </cs:dataPointLine>
+  <cs:dataPointMarker>
+    <cs:lnRef idx="0">
+      <cs:styleClr val="auto"/>
+    </cs:lnRef>
+    <cs:fillRef idx="1">
+      <cs:styleClr val="auto"/>
+    </cs:fillRef>
+    <cs:effectRef idx="0"/>
+    <cs:fontRef idx="minor">
+      <a:schemeClr val="tx1"/>
+    </cs:fontRef>
+    <cs:spPr>
+      <a:solidFill>
+        <a:schemeClr val="phClr"/>
+      </a:solidFill>
+      <a:ln w="9525">
+        <a:solidFill>
+          <a:schemeClr val="phClr"/>
+        </a:solidFill>
+      </a:ln>
+    </cs:spPr>
+  </cs:dataPointMarker>
+  <cs:dataPointMarkerLayout symbol="circle" size="5"/>
+  <cs:dataPointWireframe>
+    <cs:lnRef idx="0">
+      <cs:styleClr val="auto"/>
+    </cs:lnRef>
+    <cs:fillRef idx="1"/>
+    <cs:effectRef idx="0"/>
+    <cs:fontRef idx="minor">
+      <a:schemeClr val="tx1"/>
+    </cs:fontRef>
+    <cs:spPr>
+      <a:ln w="9525" cap="rnd">
+        <a:solidFill>
+          <a:schemeClr val="phClr"/>
+        </a:solidFill>
+        <a:round/>
+      </a:ln>
+    </cs:spPr>
+  </cs:dataPointWireframe>
+  <cs:dataTable>
+    <cs:lnRef idx="0"/>
+    <cs:fillRef idx="0"/>
+    <cs:effectRef idx="0"/>
+    <cs:fontRef idx="minor">
+      <a:schemeClr val="tx1">
+        <a:lumMod val="65000"/>
+        <a:lumOff val="35000"/>
+      </a:schemeClr>
+    </cs:fontRef>
+    <cs:spPr>
+      <a:noFill/>
+      <a:ln w="9525" cap="flat" cmpd="sng" algn="ctr">
+        <a:solidFill>
+          <a:schemeClr val="tx1">
+            <a:lumMod val="15000"/>
+            <a:lumOff val="85000"/>
+          </a:schemeClr>
+        </a:solidFill>
+        <a:round/>
+      </a:ln>
+    </cs:spPr>
+    <cs:defRPr sz="900" kern="1200"/>
+  </cs:dataTable>
+  <cs:downBar>
+    <cs:lnRef idx="0"/>
+    <cs:fillRef idx="0"/>
+    <cs:effectRef idx="0"/>
+    <cs:fontRef idx="minor">
+      <a:schemeClr val="dk1"/>
+    </cs:fontRef>
+    <cs:spPr>
+      <a:solidFill>
+        <a:schemeClr val="dk1">
+          <a:lumMod val="65000"/>
+          <a:lumOff val="35000"/>
+        </a:schemeClr>
+      </a:solidFill>
+      <a:ln w="9525">
+        <a:solidFill>
+          <a:schemeClr val="tx1">
+            <a:lumMod val="65000"/>
+            <a:lumOff val="35000"/>
+          </a:schemeClr>
+        </a:solidFill>
+      </a:ln>
+    </cs:spPr>
+  </cs:downBar>
+  <cs:dropLine>
+    <cs:lnRef idx="0"/>
+    <cs:fillRef idx="0"/>
+    <cs:effectRef idx="0"/>
+    <cs:fontRef idx="minor">
+      <a:schemeClr val="tx1"/>
+    </cs:fontRef>
+    <cs:spPr>
+      <a:ln w="9525" cap="flat" cmpd="sng" algn="ctr">
+        <a:solidFill>
+          <a:schemeClr val="tx1">
+            <a:lumMod val="35000"/>
+            <a:lumOff val="65000"/>
+          </a:schemeClr>
+        </a:solidFill>
+        <a:round/>
+      </a:ln>
+    </cs:spPr>
+  </cs:dropLine>
+  <cs:errorBar>
+    <cs:lnRef idx="0"/>
+    <cs:fillRef idx="0"/>
+    <cs:effectRef idx="0"/>
+    <cs:fontRef idx="minor">
+      <a:schemeClr val="tx1"/>
+    </cs:fontRef>
+    <cs:spPr>
+      <a:ln w="9525" cap="flat" cmpd="sng" algn="ctr">
+        <a:solidFill>
+          <a:schemeClr val="tx1">
+            <a:lumMod val="65000"/>
+            <a:lumOff val="35000"/>
+          </a:schemeClr>
+        </a:solidFill>
+        <a:round/>
+      </a:ln>
+    </cs:spPr>
+  </cs:errorBar>
+  <cs:floor>
+    <cs:lnRef idx="0"/>
+    <cs:fillRef idx="0"/>
+    <cs:effectRef idx="0"/>
+    <cs:fontRef idx="minor">
+      <a:schemeClr val="tx1"/>
+    </cs:fontRef>
+    <cs:spPr>
+      <a:noFill/>
+      <a:ln>
+        <a:noFill/>
+      </a:ln>
+    </cs:spPr>
+  </cs:floor>
+  <cs:gridlineMajor>
+    <cs:lnRef idx="0"/>
+    <cs:fillRef idx="0"/>
+    <cs:effectRef idx="0"/>
+    <cs:fontRef idx="minor">
+      <a:schemeClr val="tx1"/>
+    </cs:fontRef>
+    <cs:spPr>
+      <a:ln w="9525" cap="flat" cmpd="sng" algn="ctr">
+        <a:solidFill>
+          <a:schemeClr val="tx1">
+            <a:lumMod val="15000"/>
+            <a:lumOff val="85000"/>
+          </a:schemeClr>
+        </a:solidFill>
+        <a:round/>
+      </a:ln>
+    </cs:spPr>
+  </cs:gridlineMajor>
+  <cs:gridlineMinor>
+    <cs:lnRef idx="0"/>
+    <cs:fillRef idx="0"/>
+    <cs:effectRef idx="0"/>
+    <cs:fontRef idx="minor">
+      <a:schemeClr val="tx1"/>
+    </cs:fontRef>
+    <cs:spPr>
+      <a:ln w="9525" cap="flat" cmpd="sng" algn="ctr">
+        <a:solidFill>
+          <a:schemeClr val="tx1">
+            <a:lumMod val="5000"/>
+            <a:lumOff val="95000"/>
+          </a:schemeClr>
+        </a:solidFill>
+        <a:round/>
+      </a:ln>
+    </cs:spPr>
+  </cs:gridlineMinor>
+  <cs:hiLoLine>
+    <cs:lnRef idx="0"/>
+    <cs:fillRef idx="0"/>
+    <cs:effectRef idx="0"/>
+    <cs:fontRef idx="minor">
+      <a:schemeClr val="tx1"/>
+    </cs:fontRef>
+    <cs:spPr>
+      <a:ln w="9525" cap="flat" cmpd="sng" algn="ctr">
+        <a:solidFill>
+          <a:schemeClr val="tx1">
+            <a:lumMod val="75000"/>
+            <a:lumOff val="25000"/>
+          </a:schemeClr>
+        </a:solidFill>
+        <a:round/>
+      </a:ln>
+    </cs:spPr>
+  </cs:hiLoLine>
+  <cs:leaderLine>
+    <cs:lnRef idx="0"/>
+    <cs:fillRef idx="0"/>
+    <cs:effectRef idx="0"/>
+    <cs:fontRef idx="minor">
+      <a:schemeClr val="tx1"/>
+    </cs:fontRef>
+    <cs:spPr>
+      <a:ln w="9525" cap="flat" cmpd="sng" algn="ctr">
+        <a:solidFill>
+          <a:schemeClr val="tx1">
+            <a:lumMod val="35000"/>
+            <a:lumOff val="65000"/>
+          </a:schemeClr>
+        </a:solidFill>
+        <a:round/>
+      </a:ln>
+    </cs:spPr>
+  </cs:leaderLine>
+  <cs:legend>
+    <cs:lnRef idx="0"/>
+    <cs:fillRef idx="0"/>
+    <cs:effectRef idx="0"/>
+    <cs:fontRef idx="minor">
+      <a:schemeClr val="tx1">
+        <a:lumMod val="65000"/>
+        <a:lumOff val="35000"/>
+      </a:schemeClr>
+    </cs:fontRef>
+    <cs:defRPr sz="900" kern="1200"/>
+  </cs:legend>
+  <cs:plotArea mods="allowNoFillOverride allowNoLineOverride">
+    <cs:lnRef idx="0"/>
+    <cs:fillRef idx="0"/>
+    <cs:effectRef idx="0"/>
+    <cs:fontRef idx="minor">
+      <a:schemeClr val="tx1"/>
+    </cs:fontRef>
+  </cs:plotArea>
+  <cs:plotArea3D mods="allowNoFillOverride allowNoLineOverride">
+    <cs:lnRef idx="0"/>
+    <cs:fillRef idx="0"/>
+    <cs:effectRef idx="0"/>
+    <cs:fontRef idx="minor">
+      <a:schemeClr val="tx1"/>
+    </cs:fontRef>
+  </cs:plotArea3D>
+  <cs:seriesAxis>
+    <cs:lnRef idx="0"/>
+    <cs:fillRef idx="0"/>
+    <cs:effectRef idx="0"/>
+    <cs:fontRef idx="minor">
+      <a:schemeClr val="tx1">
+        <a:lumMod val="65000"/>
+        <a:lumOff val="35000"/>
+      </a:schemeClr>
+    </cs:fontRef>
+    <cs:defRPr sz="900" kern="1200"/>
+  </cs:seriesAxis>
+  <cs:seriesLine>
+    <cs:lnRef idx="0"/>
+    <cs:fillRef idx="0"/>
+    <cs:effectRef idx="0"/>
+    <cs:fontRef idx="minor">
+      <a:schemeClr val="tx1"/>
+    </cs:fontRef>
+    <cs:spPr>
+      <a:ln w="9525" cap="flat" cmpd="sng" algn="ctr">
+        <a:solidFill>
+          <a:schemeClr val="tx1">
+            <a:lumMod val="35000"/>
+            <a:lumOff val="65000"/>
+          </a:schemeClr>
+        </a:solidFill>
+        <a:round/>
+      </a:ln>
+    </cs:spPr>
+  </cs:seriesLine>
+  <cs:title>
+    <cs:lnRef idx="0"/>
+    <cs:fillRef idx="0"/>
+    <cs:effectRef idx="0"/>
+    <cs:fontRef idx="minor">
+      <a:schemeClr val="tx1">
+        <a:lumMod val="65000"/>
+        <a:lumOff val="35000"/>
+      </a:schemeClr>
+    </cs:fontRef>
+    <cs:defRPr sz="1400" b="0" kern="1200" spc="0" baseline="0"/>
+  </cs:title>
+  <cs:trendline>
+    <cs:lnRef idx="0">
+      <cs:styleClr val="auto"/>
+    </cs:lnRef>
+    <cs:fillRef idx="0"/>
+    <cs:effectRef idx="0"/>
+    <cs:fontRef idx="minor">
+      <a:schemeClr val="tx1"/>
+    </cs:fontRef>
+    <cs:spPr>
+      <a:ln w="19050" cap="rnd">
+        <a:solidFill>
+          <a:schemeClr val="phClr"/>
+        </a:solidFill>
+        <a:prstDash val="sysDot"/>
+      </a:ln>
+    </cs:spPr>
+  </cs:trendline>
+  <cs:trendlineLabel>
+    <cs:lnRef idx="0"/>
+    <cs:fillRef idx="0"/>
+    <cs:effectRef idx="0"/>
+    <cs:fontRef idx="minor">
+      <a:schemeClr val="tx1">
+        <a:lumMod val="65000"/>
+        <a:lumOff val="35000"/>
+      </a:schemeClr>
+    </cs:fontRef>
+    <cs:defRPr sz="900" kern="1200"/>
+  </cs:trendlineLabel>
+  <cs:upBar>
+    <cs:lnRef idx="0"/>
+    <cs:fillRef idx="0"/>
+    <cs:effectRef idx="0"/>
+    <cs:fontRef idx="minor">
+      <a:schemeClr val="dk1"/>
+    </cs:fontRef>
+    <cs:spPr>
+      <a:solidFill>
+        <a:schemeClr val="lt1"/>
+      </a:solidFill>
+      <a:ln w="9525">
+        <a:solidFill>
+          <a:schemeClr val="tx1">
+            <a:lumMod val="15000"/>
+            <a:lumOff val="85000"/>
+          </a:schemeClr>
+        </a:solidFill>
+      </a:ln>
+    </cs:spPr>
+  </cs:upBar>
+  <cs:valueAxis>
+    <cs:lnRef idx="0"/>
+    <cs:fillRef idx="0"/>
+    <cs:effectRef idx="0"/>
+    <cs:fontRef idx="minor">
+      <a:schemeClr val="tx1">
+        <a:lumMod val="65000"/>
+        <a:lumOff val="35000"/>
+      </a:schemeClr>
+    </cs:fontRef>
+    <cs:defRPr sz="900" kern="1200"/>
+  </cs:valueAxis>
+  <cs:wall>
+    <cs:lnRef idx="0"/>
+    <cs:fillRef idx="0"/>
+    <cs:effectRef idx="0"/>
+    <cs:fontRef idx="minor">
+      <a:schemeClr val="tx1"/>
+    </cs:fontRef>
+    <cs:spPr>
+      <a:noFill/>
+      <a:ln>
+        <a:noFill/>
+      </a:ln>
+    </cs:spPr>
+  </cs:wall>
+</cs:chartStyle>
+</file>
+
+<file path=ppt/charts/style2.xml><?xml version="1.0" encoding="utf-8"?>
 <cs:chartStyle xmlns:cs="http://schemas.microsoft.com/office/drawing/2012/chartStyle" xmlns:a="http://schemas.openxmlformats.org/drawingml/2006/main" id="227">
   <cs:axisTitle>
     <cs:lnRef idx="0"/>
@@ -15670,7 +17314,7 @@
           <a:p>
             <a:fld id="{01289613-7C28-4211-A280-AB0E9233F887}" type="datetimeFigureOut">
               <a:rPr lang="zh-CN" altLang="en-US" smtClean="0"/>
-              <a:t>2017-08-22</a:t>
+              <a:t>2017-08-30</a:t>
             </a:fld>
             <a:endParaRPr lang="zh-CN" altLang="en-US"/>
           </a:p>
@@ -17829,7 +19473,7 @@
             <a:fld id="{119439D2-B12A-4059-9254-1646191E8F2C}" type="slidenum">
               <a:rPr lang="zh-CN" altLang="en-US" smtClean="0"/>
               <a:pPr/>
-              <a:t>30</a:t>
+              <a:t>40</a:t>
             </a:fld>
             <a:endParaRPr lang="zh-CN" altLang="en-US" dirty="0"/>
           </a:p>
@@ -17995,7 +19639,7 @@
           <a:p>
             <a:fld id="{19E5EB15-FB07-405F-96D3-76664F8F4001}" type="datetimeFigureOut">
               <a:rPr lang="zh-CN" altLang="en-US" smtClean="0"/>
-              <a:t>2017-08-22</a:t>
+              <a:t>2017-08-30</a:t>
             </a:fld>
             <a:endParaRPr lang="zh-CN" altLang="en-US"/>
           </a:p>
@@ -18193,7 +19837,7 @@
           <a:p>
             <a:fld id="{19E5EB15-FB07-405F-96D3-76664F8F4001}" type="datetimeFigureOut">
               <a:rPr lang="zh-CN" altLang="en-US" smtClean="0"/>
-              <a:t>2017-08-22</a:t>
+              <a:t>2017-08-30</a:t>
             </a:fld>
             <a:endParaRPr lang="zh-CN" altLang="en-US"/>
           </a:p>
@@ -18401,7 +20045,7 @@
           <a:p>
             <a:fld id="{19E5EB15-FB07-405F-96D3-76664F8F4001}" type="datetimeFigureOut">
               <a:rPr lang="zh-CN" altLang="en-US" smtClean="0"/>
-              <a:t>2017-08-22</a:t>
+              <a:t>2017-08-30</a:t>
             </a:fld>
             <a:endParaRPr lang="zh-CN" altLang="en-US"/>
           </a:p>
@@ -18599,7 +20243,7 @@
           <a:p>
             <a:fld id="{19E5EB15-FB07-405F-96D3-76664F8F4001}" type="datetimeFigureOut">
               <a:rPr lang="zh-CN" altLang="en-US" smtClean="0"/>
-              <a:t>2017-08-22</a:t>
+              <a:t>2017-08-30</a:t>
             </a:fld>
             <a:endParaRPr lang="zh-CN" altLang="en-US"/>
           </a:p>
@@ -18874,7 +20518,7 @@
           <a:p>
             <a:fld id="{19E5EB15-FB07-405F-96D3-76664F8F4001}" type="datetimeFigureOut">
               <a:rPr lang="zh-CN" altLang="en-US" smtClean="0"/>
-              <a:t>2017-08-22</a:t>
+              <a:t>2017-08-30</a:t>
             </a:fld>
             <a:endParaRPr lang="zh-CN" altLang="en-US"/>
           </a:p>
@@ -19139,7 +20783,7 @@
           <a:p>
             <a:fld id="{19E5EB15-FB07-405F-96D3-76664F8F4001}" type="datetimeFigureOut">
               <a:rPr lang="zh-CN" altLang="en-US" smtClean="0"/>
-              <a:t>2017-08-22</a:t>
+              <a:t>2017-08-30</a:t>
             </a:fld>
             <a:endParaRPr lang="zh-CN" altLang="en-US"/>
           </a:p>
@@ -19551,7 +21195,7 @@
           <a:p>
             <a:fld id="{19E5EB15-FB07-405F-96D3-76664F8F4001}" type="datetimeFigureOut">
               <a:rPr lang="zh-CN" altLang="en-US" smtClean="0"/>
-              <a:t>2017-08-22</a:t>
+              <a:t>2017-08-30</a:t>
             </a:fld>
             <a:endParaRPr lang="zh-CN" altLang="en-US"/>
           </a:p>
@@ -19692,7 +21336,7 @@
           <a:p>
             <a:fld id="{19E5EB15-FB07-405F-96D3-76664F8F4001}" type="datetimeFigureOut">
               <a:rPr lang="zh-CN" altLang="en-US" smtClean="0"/>
-              <a:t>2017-08-22</a:t>
+              <a:t>2017-08-30</a:t>
             </a:fld>
             <a:endParaRPr lang="zh-CN" altLang="en-US"/>
           </a:p>
@@ -19805,7 +21449,7 @@
           <a:p>
             <a:fld id="{19E5EB15-FB07-405F-96D3-76664F8F4001}" type="datetimeFigureOut">
               <a:rPr lang="zh-CN" altLang="en-US" smtClean="0"/>
-              <a:t>2017-08-22</a:t>
+              <a:t>2017-08-30</a:t>
             </a:fld>
             <a:endParaRPr lang="zh-CN" altLang="en-US"/>
           </a:p>
@@ -20116,7 +21760,7 @@
           <a:p>
             <a:fld id="{19E5EB15-FB07-405F-96D3-76664F8F4001}" type="datetimeFigureOut">
               <a:rPr lang="zh-CN" altLang="en-US" smtClean="0"/>
-              <a:t>2017-08-22</a:t>
+              <a:t>2017-08-30</a:t>
             </a:fld>
             <a:endParaRPr lang="zh-CN" altLang="en-US"/>
           </a:p>
@@ -20404,7 +22048,7 @@
           <a:p>
             <a:fld id="{19E5EB15-FB07-405F-96D3-76664F8F4001}" type="datetimeFigureOut">
               <a:rPr lang="zh-CN" altLang="en-US" smtClean="0"/>
-              <a:t>2017-08-22</a:t>
+              <a:t>2017-08-30</a:t>
             </a:fld>
             <a:endParaRPr lang="zh-CN" altLang="en-US"/>
           </a:p>
@@ -20645,7 +22289,7 @@
           <a:p>
             <a:fld id="{19E5EB15-FB07-405F-96D3-76664F8F4001}" type="datetimeFigureOut">
               <a:rPr lang="zh-CN" altLang="en-US" smtClean="0"/>
-              <a:t>2017-08-22</a:t>
+              <a:t>2017-08-30</a:t>
             </a:fld>
             <a:endParaRPr lang="zh-CN" altLang="en-US"/>
           </a:p>
@@ -22892,7 +24536,7 @@
           <a:graphicData uri="http://schemas.openxmlformats.org/presentationml/2006/ole">
             <mc:AlternateContent xmlns:mc="http://schemas.openxmlformats.org/markup-compatibility/2006">
               <mc:Choice xmlns:v="urn:schemas-microsoft-com:vml" Requires="v">
-                <p:oleObj spid="_x0000_s7182" name="Equation" r:id="rId3" imgW="1612800" imgH="228600" progId="Equation.DSMT4">
+                <p:oleObj spid="_x0000_s7212" name="Equation" r:id="rId3" imgW="1612800" imgH="228600" progId="Equation.DSMT4">
                   <p:embed/>
                 </p:oleObj>
               </mc:Choice>
@@ -22955,7 +24599,7 @@
           <a:graphicData uri="http://schemas.openxmlformats.org/presentationml/2006/ole">
             <mc:AlternateContent xmlns:mc="http://schemas.openxmlformats.org/markup-compatibility/2006">
               <mc:Choice xmlns:v="urn:schemas-microsoft-com:vml" Requires="v">
-                <p:oleObj spid="_x0000_s7183" name="Equation" r:id="rId5" imgW="152280" imgH="164880" progId="Equation.DSMT4">
+                <p:oleObj spid="_x0000_s7213" name="Equation" r:id="rId5" imgW="152280" imgH="164880" progId="Equation.DSMT4">
                   <p:embed/>
                 </p:oleObj>
               </mc:Choice>
@@ -23018,7 +24662,7 @@
           <a:graphicData uri="http://schemas.openxmlformats.org/presentationml/2006/ole">
             <mc:AlternateContent xmlns:mc="http://schemas.openxmlformats.org/markup-compatibility/2006">
               <mc:Choice xmlns:v="urn:schemas-microsoft-com:vml" Requires="v">
-                <p:oleObj spid="_x0000_s7184" name="Equation" r:id="rId7" imgW="152280" imgH="164880" progId="Equation.DSMT4">
+                <p:oleObj spid="_x0000_s7214" name="Equation" r:id="rId7" imgW="152280" imgH="164880" progId="Equation.DSMT4">
                   <p:embed/>
                 </p:oleObj>
               </mc:Choice>
@@ -23087,7 +24731,7 @@
           <a:graphicData uri="http://schemas.openxmlformats.org/presentationml/2006/ole">
             <mc:AlternateContent xmlns:mc="http://schemas.openxmlformats.org/markup-compatibility/2006">
               <mc:Choice xmlns:v="urn:schemas-microsoft-com:vml" Requires="v">
-                <p:oleObj spid="_x0000_s7185" name="Equation" r:id="rId9" imgW="152280" imgH="164880" progId="Equation.DSMT4">
+                <p:oleObj spid="_x0000_s7215" name="Equation" r:id="rId9" imgW="152280" imgH="164880" progId="Equation.DSMT4">
                   <p:embed/>
                 </p:oleObj>
               </mc:Choice>
@@ -23156,7 +24800,7 @@
           <a:graphicData uri="http://schemas.openxmlformats.org/presentationml/2006/ole">
             <mc:AlternateContent xmlns:mc="http://schemas.openxmlformats.org/markup-compatibility/2006">
               <mc:Choice xmlns:v="urn:schemas-microsoft-com:vml" Requires="v">
-                <p:oleObj spid="_x0000_s7186" name="Equation" r:id="rId11" imgW="152280" imgH="139680" progId="Equation.DSMT4">
+                <p:oleObj spid="_x0000_s7216" name="Equation" r:id="rId11" imgW="152280" imgH="139680" progId="Equation.DSMT4">
                   <p:embed/>
                 </p:oleObj>
               </mc:Choice>
@@ -23225,7 +24869,7 @@
           <a:graphicData uri="http://schemas.openxmlformats.org/presentationml/2006/ole">
             <mc:AlternateContent xmlns:mc="http://schemas.openxmlformats.org/markup-compatibility/2006">
               <mc:Choice xmlns:v="urn:schemas-microsoft-com:vml" Requires="v">
-                <p:oleObj spid="_x0000_s7187" name="Equation" r:id="rId13" imgW="152280" imgH="164880" progId="Equation.DSMT4">
+                <p:oleObj spid="_x0000_s7217" name="Equation" r:id="rId13" imgW="152280" imgH="164880" progId="Equation.DSMT4">
                   <p:embed/>
                 </p:oleObj>
               </mc:Choice>
@@ -23461,7 +25105,7 @@
           <a:graphicData uri="http://schemas.openxmlformats.org/presentationml/2006/ole">
             <mc:AlternateContent xmlns:mc="http://schemas.openxmlformats.org/markup-compatibility/2006">
               <mc:Choice xmlns:v="urn:schemas-microsoft-com:vml" Requires="v">
-                <p:oleObj spid="_x0000_s6192" name="Equation" r:id="rId3" imgW="253800" imgH="228600" progId="Equation.DSMT4">
+                <p:oleObj spid="_x0000_s6228" name="Equation" r:id="rId3" imgW="253800" imgH="228600" progId="Equation.DSMT4">
                   <p:embed/>
                 </p:oleObj>
               </mc:Choice>
@@ -23524,7 +25168,7 @@
           <a:graphicData uri="http://schemas.openxmlformats.org/presentationml/2006/ole">
             <mc:AlternateContent xmlns:mc="http://schemas.openxmlformats.org/markup-compatibility/2006">
               <mc:Choice xmlns:v="urn:schemas-microsoft-com:vml" Requires="v">
-                <p:oleObj spid="_x0000_s6193" name="Equation" r:id="rId5" imgW="139680" imgH="177480" progId="Equation.DSMT4">
+                <p:oleObj spid="_x0000_s6229" name="Equation" r:id="rId5" imgW="139680" imgH="177480" progId="Equation.DSMT4">
                   <p:embed/>
                 </p:oleObj>
               </mc:Choice>
@@ -23587,7 +25231,7 @@
           <a:graphicData uri="http://schemas.openxmlformats.org/presentationml/2006/ole">
             <mc:AlternateContent xmlns:mc="http://schemas.openxmlformats.org/markup-compatibility/2006">
               <mc:Choice xmlns:v="urn:schemas-microsoft-com:vml" Requires="v">
-                <p:oleObj spid="_x0000_s6194" name="Equation" r:id="rId7" imgW="1663560" imgH="444240" progId="Equation.DSMT4">
+                <p:oleObj spid="_x0000_s6230" name="Equation" r:id="rId7" imgW="1663560" imgH="444240" progId="Equation.DSMT4">
                   <p:embed/>
                 </p:oleObj>
               </mc:Choice>
@@ -23650,7 +25294,7 @@
           <a:graphicData uri="http://schemas.openxmlformats.org/presentationml/2006/ole">
             <mc:AlternateContent xmlns:mc="http://schemas.openxmlformats.org/markup-compatibility/2006">
               <mc:Choice xmlns:v="urn:schemas-microsoft-com:vml" Requires="v">
-                <p:oleObj spid="_x0000_s6195" name="Equation" r:id="rId9" imgW="114120" imgH="177480" progId="Equation.DSMT4">
+                <p:oleObj spid="_x0000_s6231" name="Equation" r:id="rId9" imgW="114120" imgH="177480" progId="Equation.DSMT4">
                   <p:embed/>
                 </p:oleObj>
               </mc:Choice>
@@ -23713,7 +25357,7 @@
           <a:graphicData uri="http://schemas.openxmlformats.org/presentationml/2006/ole">
             <mc:AlternateContent xmlns:mc="http://schemas.openxmlformats.org/markup-compatibility/2006">
               <mc:Choice xmlns:v="urn:schemas-microsoft-com:vml" Requires="v">
-                <p:oleObj spid="_x0000_s6196" name="Equation" r:id="rId11" imgW="1523880" imgH="228600" progId="Equation.DSMT4">
+                <p:oleObj spid="_x0000_s6232" name="Equation" r:id="rId11" imgW="1523880" imgH="228600" progId="Equation.DSMT4">
                   <p:embed/>
                 </p:oleObj>
               </mc:Choice>
@@ -23776,7 +25420,7 @@
           <a:graphicData uri="http://schemas.openxmlformats.org/presentationml/2006/ole">
             <mc:AlternateContent xmlns:mc="http://schemas.openxmlformats.org/markup-compatibility/2006">
               <mc:Choice xmlns:v="urn:schemas-microsoft-com:vml" Requires="v">
-                <p:oleObj spid="_x0000_s6197" name="Equation" r:id="rId13" imgW="4140000" imgH="241200" progId="Equation.DSMT4">
+                <p:oleObj spid="_x0000_s6233" name="Equation" r:id="rId13" imgW="4140000" imgH="241200" progId="Equation.DSMT4">
                   <p:embed/>
                 </p:oleObj>
               </mc:Choice>
@@ -23839,7 +25483,7 @@
           <a:graphicData uri="http://schemas.openxmlformats.org/presentationml/2006/ole">
             <mc:AlternateContent xmlns:mc="http://schemas.openxmlformats.org/markup-compatibility/2006">
               <mc:Choice xmlns:v="urn:schemas-microsoft-com:vml" Requires="v">
-                <p:oleObj spid="_x0000_s6198" name="Equation" r:id="rId15" imgW="799920" imgH="241200" progId="Equation.DSMT4">
+                <p:oleObj spid="_x0000_s6234" name="Equation" r:id="rId15" imgW="799920" imgH="241200" progId="Equation.DSMT4">
                   <p:embed/>
                 </p:oleObj>
               </mc:Choice>
@@ -23902,7 +25546,7 @@
           <a:graphicData uri="http://schemas.openxmlformats.org/presentationml/2006/ole">
             <mc:AlternateContent xmlns:mc="http://schemas.openxmlformats.org/markup-compatibility/2006">
               <mc:Choice xmlns:v="urn:schemas-microsoft-com:vml" Requires="v">
-                <p:oleObj spid="_x0000_s6199" name="Equation" r:id="rId17" imgW="2095200" imgH="241200" progId="Equation.DSMT4">
+                <p:oleObj spid="_x0000_s6235" name="Equation" r:id="rId17" imgW="2095200" imgH="241200" progId="Equation.DSMT4">
                   <p:embed/>
                 </p:oleObj>
               </mc:Choice>
@@ -23965,7 +25609,7 @@
           <a:graphicData uri="http://schemas.openxmlformats.org/presentationml/2006/ole">
             <mc:AlternateContent xmlns:mc="http://schemas.openxmlformats.org/markup-compatibility/2006">
               <mc:Choice xmlns:v="urn:schemas-microsoft-com:vml" Requires="v">
-                <p:oleObj spid="_x0000_s6200" name="Equation" r:id="rId19" imgW="647640" imgH="241200" progId="Equation.DSMT4">
+                <p:oleObj spid="_x0000_s6236" name="Equation" r:id="rId19" imgW="647640" imgH="241200" progId="Equation.DSMT4">
                   <p:embed/>
                 </p:oleObj>
               </mc:Choice>
@@ -27293,7 +28937,7 @@
           <a:graphicData uri="http://schemas.openxmlformats.org/presentationml/2006/ole">
             <mc:AlternateContent xmlns:mc="http://schemas.openxmlformats.org/markup-compatibility/2006">
               <mc:Choice xmlns:v="urn:schemas-microsoft-com:vml" Requires="v">
-                <p:oleObj spid="_x0000_s8209" name="Equation" r:id="rId3" imgW="1218960" imgH="495000" progId="Equation.DSMT4">
+                <p:oleObj spid="_x0000_s8233" name="Equation" r:id="rId3" imgW="1218960" imgH="495000" progId="Equation.DSMT4">
                   <p:embed/>
                 </p:oleObj>
               </mc:Choice>
@@ -27356,7 +29000,7 @@
           <a:graphicData uri="http://schemas.openxmlformats.org/presentationml/2006/ole">
             <mc:AlternateContent xmlns:mc="http://schemas.openxmlformats.org/markup-compatibility/2006">
               <mc:Choice xmlns:v="urn:schemas-microsoft-com:vml" Requires="v">
-                <p:oleObj spid="_x0000_s8210" name="Equation" r:id="rId5" imgW="177480" imgH="228600" progId="Equation.DSMT4">
+                <p:oleObj spid="_x0000_s8234" name="Equation" r:id="rId5" imgW="177480" imgH="228600" progId="Equation.DSMT4">
                   <p:embed/>
                 </p:oleObj>
               </mc:Choice>
@@ -27419,7 +29063,7 @@
           <a:graphicData uri="http://schemas.openxmlformats.org/presentationml/2006/ole">
             <mc:AlternateContent xmlns:mc="http://schemas.openxmlformats.org/markup-compatibility/2006">
               <mc:Choice xmlns:v="urn:schemas-microsoft-com:vml" Requires="v">
-                <p:oleObj spid="_x0000_s8211" name="Equation" r:id="rId7" imgW="228600" imgH="228600" progId="Equation.DSMT4">
+                <p:oleObj spid="_x0000_s8235" name="Equation" r:id="rId7" imgW="228600" imgH="228600" progId="Equation.DSMT4">
                   <p:embed/>
                 </p:oleObj>
               </mc:Choice>
@@ -27488,7 +29132,7 @@
           <a:graphicData uri="http://schemas.openxmlformats.org/presentationml/2006/ole">
             <mc:AlternateContent xmlns:mc="http://schemas.openxmlformats.org/markup-compatibility/2006">
               <mc:Choice xmlns:v="urn:schemas-microsoft-com:vml" Requires="v">
-                <p:oleObj spid="_x0000_s8212" name="Equation" r:id="rId9" imgW="164880" imgH="228600" progId="Equation.DSMT4">
+                <p:oleObj spid="_x0000_s8236" name="Equation" r:id="rId9" imgW="164880" imgH="228600" progId="Equation.DSMT4">
                   <p:embed/>
                 </p:oleObj>
               </mc:Choice>
@@ -27557,7 +29201,7 @@
           <a:graphicData uri="http://schemas.openxmlformats.org/presentationml/2006/ole">
             <mc:AlternateContent xmlns:mc="http://schemas.openxmlformats.org/markup-compatibility/2006">
               <mc:Choice xmlns:v="urn:schemas-microsoft-com:vml" Requires="v">
-                <p:oleObj spid="_x0000_s8213" name="Equation" r:id="rId11" imgW="190440" imgH="228600" progId="Equation.DSMT4">
+                <p:oleObj spid="_x0000_s8237" name="Equation" r:id="rId11" imgW="190440" imgH="228600" progId="Equation.DSMT4">
                   <p:embed/>
                 </p:oleObj>
               </mc:Choice>
@@ -27626,7 +29270,7 @@
           <a:graphicData uri="http://schemas.openxmlformats.org/presentationml/2006/ole">
             <mc:AlternateContent xmlns:mc="http://schemas.openxmlformats.org/markup-compatibility/2006">
               <mc:Choice xmlns:v="urn:schemas-microsoft-com:vml" Requires="v">
-                <p:oleObj spid="_x0000_s8214" name="Equation" r:id="rId13" imgW="139680" imgH="228600" progId="Equation.DSMT4">
+                <p:oleObj spid="_x0000_s8238" name="Equation" r:id="rId13" imgW="139680" imgH="228600" progId="Equation.DSMT4">
                   <p:embed/>
                 </p:oleObj>
               </mc:Choice>
@@ -29143,7 +30787,7 @@
           <a:graphicData uri="http://schemas.openxmlformats.org/presentationml/2006/ole">
             <mc:AlternateContent xmlns:mc="http://schemas.openxmlformats.org/markup-compatibility/2006">
               <mc:Choice xmlns:v="urn:schemas-microsoft-com:vml" Requires="v">
-                <p:oleObj spid="_x0000_s9219" name="Equation" r:id="rId3" imgW="1879560" imgH="241200" progId="Equation.DSMT4">
+                <p:oleObj spid="_x0000_s9223" name="Equation" r:id="rId3" imgW="1879560" imgH="241200" progId="Equation.DSMT4">
                   <p:embed/>
                 </p:oleObj>
               </mc:Choice>
@@ -32560,6 +34204,2035 @@
       </p:grpSpPr>
       <p:sp>
         <p:nvSpPr>
+          <p:cNvPr id="2" name="标题 1">
+            <a:extLst>
+              <a:ext uri="{FF2B5EF4-FFF2-40B4-BE49-F238E27FC236}">
+                <a16:creationId xmlns:a16="http://schemas.microsoft.com/office/drawing/2014/main" id="{81086A31-86A2-4230-B3A8-7F7996EF228B}"/>
+              </a:ext>
+            </a:extLst>
+          </p:cNvPr>
+          <p:cNvSpPr>
+            <a:spLocks noGrp="1"/>
+          </p:cNvSpPr>
+          <p:nvPr>
+            <p:ph type="title"/>
+          </p:nvPr>
+        </p:nvSpPr>
+        <p:spPr/>
+        <p:txBody>
+          <a:bodyPr/>
+          <a:lstStyle/>
+          <a:p>
+            <a:r>
+              <a:rPr lang="zh-CN" altLang="en-US" dirty="0"/>
+              <a:t>基于事件</a:t>
+            </a:r>
+            <a:r>
+              <a:rPr lang="en-US" altLang="zh-CN" dirty="0"/>
+              <a:t>(</a:t>
+            </a:r>
+            <a:r>
+              <a:rPr lang="zh-CN" altLang="en-US" dirty="0"/>
+              <a:t>基本面信息</a:t>
+            </a:r>
+            <a:r>
+              <a:rPr lang="en-US" altLang="zh-CN" dirty="0"/>
+              <a:t>)</a:t>
+            </a:r>
+            <a:r>
+              <a:rPr lang="zh-CN" altLang="en-US" dirty="0"/>
+              <a:t>的交易策略</a:t>
+            </a:r>
+          </a:p>
+        </p:txBody>
+      </p:sp>
+      <p:sp>
+        <p:nvSpPr>
+          <p:cNvPr id="3" name="内容占位符 2">
+            <a:extLst>
+              <a:ext uri="{FF2B5EF4-FFF2-40B4-BE49-F238E27FC236}">
+                <a16:creationId xmlns:a16="http://schemas.microsoft.com/office/drawing/2014/main" id="{868046E1-E42D-4DB3-92C8-6ED37FB5FB58}"/>
+              </a:ext>
+            </a:extLst>
+          </p:cNvPr>
+          <p:cNvSpPr>
+            <a:spLocks noGrp="1"/>
+          </p:cNvSpPr>
+          <p:nvPr>
+            <p:ph idx="1"/>
+          </p:nvPr>
+        </p:nvSpPr>
+        <p:spPr/>
+        <p:txBody>
+          <a:bodyPr/>
+          <a:lstStyle/>
+          <a:p>
+            <a:pPr marL="0" indent="0">
+              <a:buNone/>
+            </a:pPr>
+            <a:r>
+              <a:rPr lang="zh-CN" altLang="en-US" dirty="0"/>
+              <a:t>常见影响期权隐含波动率的事件</a:t>
+            </a:r>
+            <a:endParaRPr lang="en-US" altLang="zh-CN" dirty="0"/>
+          </a:p>
+          <a:p>
+            <a:r>
+              <a:rPr lang="zh-CN" altLang="en-US" dirty="0"/>
+              <a:t>个股期权，例如公司分红、财报、业绩报告等</a:t>
+            </a:r>
+            <a:endParaRPr lang="en-US" altLang="zh-CN" dirty="0"/>
+          </a:p>
+          <a:p>
+            <a:r>
+              <a:rPr lang="zh-CN" altLang="en-US" dirty="0"/>
+              <a:t>商品期权，例如</a:t>
+            </a:r>
+            <a:r>
+              <a:rPr lang="en-US" altLang="zh-CN" dirty="0"/>
+              <a:t>USDA</a:t>
+            </a:r>
+            <a:r>
+              <a:rPr lang="zh-CN" altLang="en-US" dirty="0"/>
+              <a:t>报告、</a:t>
+            </a:r>
+            <a:r>
+              <a:rPr lang="en-US" altLang="zh-CN" dirty="0"/>
+              <a:t>MPOB</a:t>
+            </a:r>
+            <a:r>
+              <a:rPr lang="zh-CN" altLang="en-US" dirty="0"/>
+              <a:t>报告等</a:t>
+            </a:r>
+            <a:endParaRPr lang="en-US" altLang="zh-CN" dirty="0"/>
+          </a:p>
+          <a:p>
+            <a:r>
+              <a:rPr lang="zh-CN" altLang="en-US" dirty="0"/>
+              <a:t>指数期权，例如财政政策、货币政策等</a:t>
+            </a:r>
+            <a:endParaRPr lang="en-US" altLang="zh-CN" dirty="0"/>
+          </a:p>
+          <a:p>
+            <a:pPr marL="0" indent="0">
+              <a:buNone/>
+            </a:pPr>
+            <a:endParaRPr lang="en-US" altLang="zh-CN" dirty="0"/>
+          </a:p>
+          <a:p>
+            <a:pPr marL="0" indent="0">
+              <a:buNone/>
+            </a:pPr>
+            <a:r>
+              <a:rPr lang="zh-CN" altLang="en-US" dirty="0"/>
+              <a:t>隐含波动率在公告前上升、在公告后立即下降的模式，是很普遍的</a:t>
+            </a:r>
+          </a:p>
+        </p:txBody>
+      </p:sp>
+    </p:spTree>
+    <p:extLst>
+      <p:ext uri="{BB962C8B-B14F-4D97-AF65-F5344CB8AC3E}">
+        <p14:creationId xmlns:p14="http://schemas.microsoft.com/office/powerpoint/2010/main" val="2273534103"/>
+      </p:ext>
+    </p:extLst>
+  </p:cSld>
+  <p:clrMapOvr>
+    <a:masterClrMapping/>
+  </p:clrMapOvr>
+</p:sld>
+</file>
+
+<file path=ppt/slides/slide31.xml><?xml version="1.0" encoding="utf-8"?>
+<p:sld xmlns:a="http://schemas.openxmlformats.org/drawingml/2006/main" xmlns:r="http://schemas.openxmlformats.org/officeDocument/2006/relationships" xmlns:p="http://schemas.openxmlformats.org/presentationml/2006/main">
+  <p:cSld>
+    <p:spTree>
+      <p:nvGrpSpPr>
+        <p:cNvPr id="1" name=""/>
+        <p:cNvGrpSpPr/>
+        <p:nvPr/>
+      </p:nvGrpSpPr>
+      <p:grpSpPr>
+        <a:xfrm>
+          <a:off x="0" y="0"/>
+          <a:ext cx="0" cy="0"/>
+          <a:chOff x="0" y="0"/>
+          <a:chExt cx="0" cy="0"/>
+        </a:xfrm>
+      </p:grpSpPr>
+      <p:sp>
+        <p:nvSpPr>
+          <p:cNvPr id="2" name="标题 1">
+            <a:extLst>
+              <a:ext uri="{FF2B5EF4-FFF2-40B4-BE49-F238E27FC236}">
+                <a16:creationId xmlns:a16="http://schemas.microsoft.com/office/drawing/2014/main" id="{81086A31-86A2-4230-B3A8-7F7996EF228B}"/>
+              </a:ext>
+            </a:extLst>
+          </p:cNvPr>
+          <p:cNvSpPr>
+            <a:spLocks noGrp="1"/>
+          </p:cNvSpPr>
+          <p:nvPr>
+            <p:ph type="title"/>
+          </p:nvPr>
+        </p:nvSpPr>
+        <p:spPr/>
+        <p:txBody>
+          <a:bodyPr/>
+          <a:lstStyle/>
+          <a:p>
+            <a:r>
+              <a:rPr lang="zh-CN" altLang="en-US" dirty="0"/>
+              <a:t>基于事件</a:t>
+            </a:r>
+            <a:r>
+              <a:rPr lang="en-US" altLang="zh-CN" dirty="0"/>
+              <a:t>(</a:t>
+            </a:r>
+            <a:r>
+              <a:rPr lang="zh-CN" altLang="en-US" dirty="0"/>
+              <a:t>基本面信息</a:t>
+            </a:r>
+            <a:r>
+              <a:rPr lang="en-US" altLang="zh-CN" dirty="0"/>
+              <a:t>)</a:t>
+            </a:r>
+            <a:r>
+              <a:rPr lang="zh-CN" altLang="en-US" dirty="0"/>
+              <a:t>的交易策略</a:t>
+            </a:r>
+          </a:p>
+        </p:txBody>
+      </p:sp>
+      <p:sp>
+        <p:nvSpPr>
+          <p:cNvPr id="3" name="内容占位符 2">
+            <a:extLst>
+              <a:ext uri="{FF2B5EF4-FFF2-40B4-BE49-F238E27FC236}">
+                <a16:creationId xmlns:a16="http://schemas.microsoft.com/office/drawing/2014/main" id="{868046E1-E42D-4DB3-92C8-6ED37FB5FB58}"/>
+              </a:ext>
+            </a:extLst>
+          </p:cNvPr>
+          <p:cNvSpPr>
+            <a:spLocks noGrp="1"/>
+          </p:cNvSpPr>
+          <p:nvPr>
+            <p:ph idx="1"/>
+          </p:nvPr>
+        </p:nvSpPr>
+        <p:spPr/>
+        <p:txBody>
+          <a:bodyPr/>
+          <a:lstStyle/>
+          <a:p>
+            <a:r>
+              <a:rPr lang="zh-CN" altLang="en-US" dirty="0"/>
+              <a:t>在公告公布前</a:t>
+            </a:r>
+            <a:r>
+              <a:rPr lang="en-US" altLang="zh-CN" dirty="0"/>
+              <a:t>10</a:t>
+            </a:r>
+            <a:r>
+              <a:rPr lang="zh-CN" altLang="en-US" dirty="0"/>
+              <a:t>天</a:t>
+            </a:r>
+            <a:r>
+              <a:rPr lang="en-US" altLang="zh-CN" dirty="0"/>
+              <a:t>(</a:t>
+            </a:r>
+            <a:r>
+              <a:rPr lang="zh-CN" altLang="en-US" dirty="0"/>
+              <a:t>或近似时间</a:t>
+            </a:r>
+            <a:r>
+              <a:rPr lang="en-US" altLang="zh-CN" dirty="0"/>
+              <a:t>)</a:t>
+            </a:r>
+            <a:r>
+              <a:rPr lang="zh-CN" altLang="en-US" dirty="0"/>
+              <a:t>，买入当月跨式价差组合，并在公告公布前</a:t>
+            </a:r>
+            <a:r>
+              <a:rPr lang="en-US" altLang="zh-CN" dirty="0"/>
+              <a:t>1</a:t>
+            </a:r>
+            <a:r>
+              <a:rPr lang="zh-CN" altLang="en-US" dirty="0"/>
+              <a:t>天平仓</a:t>
+            </a:r>
+            <a:endParaRPr lang="en-US" altLang="zh-CN" dirty="0"/>
+          </a:p>
+          <a:p>
+            <a:r>
+              <a:rPr lang="zh-CN" altLang="en-US" dirty="0"/>
+              <a:t>通过除以合约标的价格的方法来对结果进行标准化</a:t>
+            </a:r>
+            <a:endParaRPr lang="en-US" altLang="zh-CN" dirty="0"/>
+          </a:p>
+          <a:p>
+            <a:pPr marL="0" indent="0">
+              <a:buNone/>
+            </a:pPr>
+            <a:endParaRPr lang="en-US" altLang="zh-CN" dirty="0"/>
+          </a:p>
+          <a:p>
+            <a:pPr marL="0" indent="0">
+              <a:buNone/>
+            </a:pPr>
+            <a:endParaRPr lang="en-US" altLang="zh-CN" dirty="0"/>
+          </a:p>
+          <a:p>
+            <a:r>
+              <a:rPr lang="zh-CN" altLang="en-US" dirty="0"/>
+              <a:t>在公告公布之前</a:t>
+            </a:r>
+            <a:r>
+              <a:rPr lang="en-US" altLang="zh-CN" dirty="0"/>
+              <a:t>(</a:t>
+            </a:r>
+            <a:r>
+              <a:rPr lang="zh-CN" altLang="en-US" dirty="0"/>
+              <a:t>越近越好</a:t>
+            </a:r>
+            <a:r>
+              <a:rPr lang="en-US" altLang="zh-CN" dirty="0"/>
+              <a:t>)</a:t>
+            </a:r>
+            <a:r>
+              <a:rPr lang="zh-CN" altLang="en-US" dirty="0"/>
+              <a:t>，卖出当月跨式价差组合，并在公告公布之后的交易日平仓</a:t>
+            </a:r>
+            <a:endParaRPr lang="en-US" altLang="zh-CN" dirty="0"/>
+          </a:p>
+          <a:p>
+            <a:r>
+              <a:rPr lang="zh-CN" altLang="en-US" dirty="0"/>
+              <a:t>通过除以合约标的价格的方法来对结果进行标准化</a:t>
+            </a:r>
+            <a:endParaRPr lang="en-US" altLang="zh-CN" dirty="0"/>
+          </a:p>
+          <a:p>
+            <a:pPr marL="0" indent="0">
+              <a:buNone/>
+            </a:pPr>
+            <a:endParaRPr lang="en-US" altLang="zh-CN" dirty="0"/>
+          </a:p>
+        </p:txBody>
+      </p:sp>
+    </p:spTree>
+    <p:extLst>
+      <p:ext uri="{BB962C8B-B14F-4D97-AF65-F5344CB8AC3E}">
+        <p14:creationId xmlns:p14="http://schemas.microsoft.com/office/powerpoint/2010/main" val="1072658839"/>
+      </p:ext>
+    </p:extLst>
+  </p:cSld>
+  <p:clrMapOvr>
+    <a:masterClrMapping/>
+  </p:clrMapOvr>
+</p:sld>
+</file>
+
+<file path=ppt/slides/slide32.xml><?xml version="1.0" encoding="utf-8"?>
+<p:sld xmlns:a="http://schemas.openxmlformats.org/drawingml/2006/main" xmlns:r="http://schemas.openxmlformats.org/officeDocument/2006/relationships" xmlns:p="http://schemas.openxmlformats.org/presentationml/2006/main">
+  <p:cSld>
+    <p:spTree>
+      <p:nvGrpSpPr>
+        <p:cNvPr id="1" name=""/>
+        <p:cNvGrpSpPr/>
+        <p:nvPr/>
+      </p:nvGrpSpPr>
+      <p:grpSpPr>
+        <a:xfrm>
+          <a:off x="0" y="0"/>
+          <a:ext cx="0" cy="0"/>
+          <a:chOff x="0" y="0"/>
+          <a:chExt cx="0" cy="0"/>
+        </a:xfrm>
+      </p:grpSpPr>
+      <p:sp>
+        <p:nvSpPr>
+          <p:cNvPr id="2" name="标题 1">
+            <a:extLst>
+              <a:ext uri="{FF2B5EF4-FFF2-40B4-BE49-F238E27FC236}">
+                <a16:creationId xmlns:a16="http://schemas.microsoft.com/office/drawing/2014/main" id="{81086A31-86A2-4230-B3A8-7F7996EF228B}"/>
+              </a:ext>
+            </a:extLst>
+          </p:cNvPr>
+          <p:cNvSpPr>
+            <a:spLocks noGrp="1"/>
+          </p:cNvSpPr>
+          <p:nvPr>
+            <p:ph type="title"/>
+          </p:nvPr>
+        </p:nvSpPr>
+        <p:spPr/>
+        <p:txBody>
+          <a:bodyPr/>
+          <a:lstStyle/>
+          <a:p>
+            <a:r>
+              <a:rPr lang="zh-CN" altLang="en-US" dirty="0"/>
+              <a:t>基于事件</a:t>
+            </a:r>
+            <a:r>
+              <a:rPr lang="en-US" altLang="zh-CN" dirty="0"/>
+              <a:t>(</a:t>
+            </a:r>
+            <a:r>
+              <a:rPr lang="zh-CN" altLang="en-US" dirty="0"/>
+              <a:t>基本面信息</a:t>
+            </a:r>
+            <a:r>
+              <a:rPr lang="en-US" altLang="zh-CN" dirty="0"/>
+              <a:t>)</a:t>
+            </a:r>
+            <a:r>
+              <a:rPr lang="zh-CN" altLang="en-US" dirty="0"/>
+              <a:t>的交易策略</a:t>
+            </a:r>
+          </a:p>
+        </p:txBody>
+      </p:sp>
+      <p:graphicFrame>
+        <p:nvGraphicFramePr>
+          <p:cNvPr id="4" name="内容占位符 3">
+            <a:extLst>
+              <a:ext uri="{FF2B5EF4-FFF2-40B4-BE49-F238E27FC236}">
+                <a16:creationId xmlns:a16="http://schemas.microsoft.com/office/drawing/2014/main" id="{27C42E9F-7277-4CF6-A0AC-FA4BDEB01307}"/>
+              </a:ext>
+            </a:extLst>
+          </p:cNvPr>
+          <p:cNvGraphicFramePr>
+            <a:graphicFrameLocks noGrp="1"/>
+          </p:cNvGraphicFramePr>
+          <p:nvPr>
+            <p:ph idx="1"/>
+          </p:nvPr>
+        </p:nvGraphicFramePr>
+        <p:xfrm>
+          <a:off x="838200" y="1825625"/>
+          <a:ext cx="10515600" cy="4351338"/>
+        </p:xfrm>
+        <a:graphic>
+          <a:graphicData uri="http://schemas.openxmlformats.org/drawingml/2006/chart">
+            <c:chart xmlns:c="http://schemas.openxmlformats.org/drawingml/2006/chart" xmlns:r="http://schemas.openxmlformats.org/officeDocument/2006/relationships" r:id="rId2"/>
+          </a:graphicData>
+        </a:graphic>
+      </p:graphicFrame>
+    </p:spTree>
+    <p:extLst>
+      <p:ext uri="{BB962C8B-B14F-4D97-AF65-F5344CB8AC3E}">
+        <p14:creationId xmlns:p14="http://schemas.microsoft.com/office/powerpoint/2010/main" val="3267637338"/>
+      </p:ext>
+    </p:extLst>
+  </p:cSld>
+  <p:clrMapOvr>
+    <a:masterClrMapping/>
+  </p:clrMapOvr>
+</p:sld>
+</file>
+
+<file path=ppt/slides/slide33.xml><?xml version="1.0" encoding="utf-8"?>
+<p:sld xmlns:a="http://schemas.openxmlformats.org/drawingml/2006/main" xmlns:r="http://schemas.openxmlformats.org/officeDocument/2006/relationships" xmlns:p="http://schemas.openxmlformats.org/presentationml/2006/main">
+  <p:cSld>
+    <p:spTree>
+      <p:nvGrpSpPr>
+        <p:cNvPr id="1" name=""/>
+        <p:cNvGrpSpPr/>
+        <p:nvPr/>
+      </p:nvGrpSpPr>
+      <p:grpSpPr>
+        <a:xfrm>
+          <a:off x="0" y="0"/>
+          <a:ext cx="0" cy="0"/>
+          <a:chOff x="0" y="0"/>
+          <a:chExt cx="0" cy="0"/>
+        </a:xfrm>
+      </p:grpSpPr>
+      <p:sp>
+        <p:nvSpPr>
+          <p:cNvPr id="2" name="标题 1">
+            <a:extLst>
+              <a:ext uri="{FF2B5EF4-FFF2-40B4-BE49-F238E27FC236}">
+                <a16:creationId xmlns:a16="http://schemas.microsoft.com/office/drawing/2014/main" id="{81086A31-86A2-4230-B3A8-7F7996EF228B}"/>
+              </a:ext>
+            </a:extLst>
+          </p:cNvPr>
+          <p:cNvSpPr>
+            <a:spLocks noGrp="1"/>
+          </p:cNvSpPr>
+          <p:nvPr>
+            <p:ph type="title"/>
+          </p:nvPr>
+        </p:nvSpPr>
+        <p:spPr/>
+        <p:txBody>
+          <a:bodyPr/>
+          <a:lstStyle/>
+          <a:p>
+            <a:r>
+              <a:rPr lang="zh-CN" altLang="en-US" dirty="0"/>
+              <a:t>基于事件</a:t>
+            </a:r>
+            <a:r>
+              <a:rPr lang="en-US" altLang="zh-CN" dirty="0"/>
+              <a:t>(</a:t>
+            </a:r>
+            <a:r>
+              <a:rPr lang="zh-CN" altLang="en-US" dirty="0"/>
+              <a:t>基本面信息</a:t>
+            </a:r>
+            <a:r>
+              <a:rPr lang="en-US" altLang="zh-CN" dirty="0"/>
+              <a:t>)</a:t>
+            </a:r>
+            <a:r>
+              <a:rPr lang="zh-CN" altLang="en-US" dirty="0"/>
+              <a:t>的交易策略</a:t>
+            </a:r>
+          </a:p>
+        </p:txBody>
+      </p:sp>
+      <p:sp>
+        <p:nvSpPr>
+          <p:cNvPr id="3" name="内容占位符 2">
+            <a:extLst>
+              <a:ext uri="{FF2B5EF4-FFF2-40B4-BE49-F238E27FC236}">
+                <a16:creationId xmlns:a16="http://schemas.microsoft.com/office/drawing/2014/main" id="{765B5384-05B7-4BD9-91DB-7DE41C98C980}"/>
+              </a:ext>
+            </a:extLst>
+          </p:cNvPr>
+          <p:cNvSpPr>
+            <a:spLocks noGrp="1"/>
+          </p:cNvSpPr>
+          <p:nvPr>
+            <p:ph idx="1"/>
+          </p:nvPr>
+        </p:nvSpPr>
+        <p:spPr/>
+        <p:txBody>
+          <a:bodyPr>
+            <a:normAutofit lnSpcReduction="10000"/>
+          </a:bodyPr>
+          <a:lstStyle/>
+          <a:p>
+            <a:pPr marL="0" indent="0">
+              <a:buNone/>
+            </a:pPr>
+            <a:r>
+              <a:rPr lang="zh-CN" altLang="en-US" dirty="0"/>
+              <a:t>公告前买入</a:t>
+            </a:r>
+            <a:endParaRPr lang="en-US" altLang="zh-CN" dirty="0"/>
+          </a:p>
+          <a:p>
+            <a:r>
+              <a:rPr lang="en-US" altLang="zh-CN" dirty="0"/>
+              <a:t>43%</a:t>
+            </a:r>
+            <a:r>
+              <a:rPr lang="zh-CN" altLang="en-US" dirty="0"/>
+              <a:t>的交易盈利</a:t>
+            </a:r>
+            <a:endParaRPr lang="en-US" altLang="zh-CN" dirty="0"/>
+          </a:p>
+          <a:p>
+            <a:r>
+              <a:rPr lang="zh-CN" altLang="en-US" dirty="0"/>
+              <a:t>盈亏比为</a:t>
+            </a:r>
+            <a:r>
+              <a:rPr lang="en-US" altLang="zh-CN" dirty="0"/>
+              <a:t>1.7</a:t>
+            </a:r>
+          </a:p>
+          <a:p>
+            <a:r>
+              <a:rPr lang="zh-CN" altLang="en-US" dirty="0"/>
+              <a:t>结果为正偏</a:t>
+            </a:r>
+            <a:r>
+              <a:rPr lang="en-US" altLang="zh-CN" dirty="0"/>
+              <a:t>(</a:t>
+            </a:r>
+            <a:r>
+              <a:rPr lang="zh-CN" altLang="en-US" dirty="0"/>
+              <a:t>偏度为</a:t>
+            </a:r>
+            <a:r>
+              <a:rPr lang="en-US" altLang="zh-CN" dirty="0"/>
+              <a:t>5.4)</a:t>
+            </a:r>
+            <a:r>
+              <a:rPr lang="zh-CN" altLang="en-US" dirty="0"/>
+              <a:t>和厚尾</a:t>
+            </a:r>
+            <a:r>
+              <a:rPr lang="en-US" altLang="zh-CN" dirty="0"/>
+              <a:t>(</a:t>
+            </a:r>
+            <a:r>
+              <a:rPr lang="zh-CN" altLang="en-US" dirty="0"/>
+              <a:t>超额峰度为</a:t>
+            </a:r>
+            <a:r>
+              <a:rPr lang="en-US" altLang="zh-CN" dirty="0"/>
+              <a:t>76.6)</a:t>
+            </a:r>
+          </a:p>
+          <a:p>
+            <a:pPr marL="0" indent="0">
+              <a:buNone/>
+            </a:pPr>
+            <a:r>
+              <a:rPr lang="zh-CN" altLang="en-US" dirty="0"/>
+              <a:t>公告后卖出</a:t>
+            </a:r>
+            <a:endParaRPr lang="en-US" altLang="zh-CN" dirty="0"/>
+          </a:p>
+          <a:p>
+            <a:r>
+              <a:rPr lang="en-US" altLang="zh-CN" dirty="0"/>
+              <a:t>65%</a:t>
+            </a:r>
+            <a:r>
+              <a:rPr lang="zh-CN" altLang="en-US" dirty="0"/>
+              <a:t>的交易盈利</a:t>
+            </a:r>
+            <a:endParaRPr lang="en-US" altLang="zh-CN" dirty="0"/>
+          </a:p>
+          <a:p>
+            <a:r>
+              <a:rPr lang="zh-CN" altLang="en-US" dirty="0"/>
+              <a:t>盈亏比为</a:t>
+            </a:r>
+            <a:r>
+              <a:rPr lang="en-US" altLang="zh-CN" dirty="0"/>
+              <a:t>0.69</a:t>
+            </a:r>
+          </a:p>
+          <a:p>
+            <a:r>
+              <a:rPr lang="zh-CN" altLang="en-US" dirty="0"/>
+              <a:t>结果是负偏</a:t>
+            </a:r>
+            <a:r>
+              <a:rPr lang="en-US" altLang="zh-CN" dirty="0"/>
+              <a:t>(</a:t>
+            </a:r>
+            <a:r>
+              <a:rPr lang="zh-CN" altLang="en-US" dirty="0"/>
+              <a:t>偏度为</a:t>
+            </a:r>
+            <a:r>
+              <a:rPr lang="en-US" altLang="zh-CN" dirty="0"/>
+              <a:t>-2.1)</a:t>
+            </a:r>
+            <a:r>
+              <a:rPr lang="zh-CN" altLang="en-US" dirty="0"/>
+              <a:t>和厚尾</a:t>
+            </a:r>
+            <a:r>
+              <a:rPr lang="en-US" altLang="zh-CN" dirty="0"/>
+              <a:t>(</a:t>
+            </a:r>
+            <a:r>
+              <a:rPr lang="zh-CN" altLang="en-US" dirty="0"/>
+              <a:t>超额峰度为</a:t>
+            </a:r>
+            <a:r>
+              <a:rPr lang="en-US" altLang="zh-CN" dirty="0"/>
+              <a:t>12.2)</a:t>
+            </a:r>
+          </a:p>
+          <a:p>
+            <a:pPr marL="0" indent="0">
+              <a:buNone/>
+            </a:pPr>
+            <a:r>
+              <a:rPr lang="zh-CN" altLang="en-US" sz="1800" dirty="0"/>
+              <a:t>注：美股回测结果</a:t>
+            </a:r>
+          </a:p>
+        </p:txBody>
+      </p:sp>
+    </p:spTree>
+    <p:extLst>
+      <p:ext uri="{BB962C8B-B14F-4D97-AF65-F5344CB8AC3E}">
+        <p14:creationId xmlns:p14="http://schemas.microsoft.com/office/powerpoint/2010/main" val="3543271804"/>
+      </p:ext>
+    </p:extLst>
+  </p:cSld>
+  <p:clrMapOvr>
+    <a:masterClrMapping/>
+  </p:clrMapOvr>
+</p:sld>
+</file>
+
+<file path=ppt/slides/slide34.xml><?xml version="1.0" encoding="utf-8"?>
+<p:sld xmlns:a="http://schemas.openxmlformats.org/drawingml/2006/main" xmlns:r="http://schemas.openxmlformats.org/officeDocument/2006/relationships" xmlns:p="http://schemas.openxmlformats.org/presentationml/2006/main">
+  <p:cSld>
+    <p:spTree>
+      <p:nvGrpSpPr>
+        <p:cNvPr id="1" name=""/>
+        <p:cNvGrpSpPr/>
+        <p:nvPr/>
+      </p:nvGrpSpPr>
+      <p:grpSpPr>
+        <a:xfrm>
+          <a:off x="0" y="0"/>
+          <a:ext cx="0" cy="0"/>
+          <a:chOff x="0" y="0"/>
+          <a:chExt cx="0" cy="0"/>
+        </a:xfrm>
+      </p:grpSpPr>
+      <p:sp>
+        <p:nvSpPr>
+          <p:cNvPr id="2" name="标题 1">
+            <a:extLst>
+              <a:ext uri="{FF2B5EF4-FFF2-40B4-BE49-F238E27FC236}">
+                <a16:creationId xmlns:a16="http://schemas.microsoft.com/office/drawing/2014/main" id="{29372F13-8F20-4734-BB60-FB51E21E8AC6}"/>
+              </a:ext>
+            </a:extLst>
+          </p:cNvPr>
+          <p:cNvSpPr>
+            <a:spLocks noGrp="1"/>
+          </p:cNvSpPr>
+          <p:nvPr>
+            <p:ph type="title"/>
+          </p:nvPr>
+        </p:nvSpPr>
+        <p:spPr/>
+        <p:txBody>
+          <a:bodyPr/>
+          <a:lstStyle/>
+          <a:p>
+            <a:r>
+              <a:rPr lang="zh-CN" altLang="en-US" dirty="0"/>
+              <a:t>方差溢价</a:t>
+            </a:r>
+          </a:p>
+        </p:txBody>
+      </p:sp>
+      <p:sp>
+        <p:nvSpPr>
+          <p:cNvPr id="3" name="内容占位符 2">
+            <a:extLst>
+              <a:ext uri="{FF2B5EF4-FFF2-40B4-BE49-F238E27FC236}">
+                <a16:creationId xmlns:a16="http://schemas.microsoft.com/office/drawing/2014/main" id="{B57F650C-1648-48A0-BCE2-F8B17A2668C5}"/>
+              </a:ext>
+            </a:extLst>
+          </p:cNvPr>
+          <p:cNvSpPr>
+            <a:spLocks noGrp="1"/>
+          </p:cNvSpPr>
+          <p:nvPr>
+            <p:ph idx="1"/>
+          </p:nvPr>
+        </p:nvSpPr>
+        <p:spPr/>
+        <p:txBody>
+          <a:bodyPr/>
+          <a:lstStyle/>
+          <a:p>
+            <a:r>
+              <a:rPr lang="zh-CN" altLang="en-US" dirty="0"/>
+              <a:t>隐含波动率一般比已实现波动率高</a:t>
+            </a:r>
+            <a:endParaRPr lang="en-US" altLang="zh-CN" dirty="0"/>
+          </a:p>
+          <a:p>
+            <a:r>
+              <a:rPr lang="zh-CN" altLang="en-US" dirty="0"/>
+              <a:t>在指数期权上更为明显</a:t>
+            </a:r>
+            <a:endParaRPr lang="en-US" altLang="zh-CN" dirty="0"/>
+          </a:p>
+          <a:p>
+            <a:r>
+              <a:rPr lang="zh-CN" altLang="en-US" dirty="0"/>
+              <a:t>波动率交易中最大的</a:t>
+            </a:r>
+            <a:r>
+              <a:rPr lang="en-US" altLang="zh-CN" dirty="0"/>
+              <a:t>beta</a:t>
+            </a:r>
+            <a:r>
+              <a:rPr lang="zh-CN" altLang="en-US" dirty="0"/>
+              <a:t>来源</a:t>
+            </a:r>
+          </a:p>
+        </p:txBody>
+      </p:sp>
+    </p:spTree>
+    <p:extLst>
+      <p:ext uri="{BB962C8B-B14F-4D97-AF65-F5344CB8AC3E}">
+        <p14:creationId xmlns:p14="http://schemas.microsoft.com/office/powerpoint/2010/main" val="400973296"/>
+      </p:ext>
+    </p:extLst>
+  </p:cSld>
+  <p:clrMapOvr>
+    <a:masterClrMapping/>
+  </p:clrMapOvr>
+</p:sld>
+</file>
+
+<file path=ppt/slides/slide35.xml><?xml version="1.0" encoding="utf-8"?>
+<p:sld xmlns:a="http://schemas.openxmlformats.org/drawingml/2006/main" xmlns:r="http://schemas.openxmlformats.org/officeDocument/2006/relationships" xmlns:p="http://schemas.openxmlformats.org/presentationml/2006/main">
+  <p:cSld>
+    <p:spTree>
+      <p:nvGrpSpPr>
+        <p:cNvPr id="1" name=""/>
+        <p:cNvGrpSpPr/>
+        <p:nvPr/>
+      </p:nvGrpSpPr>
+      <p:grpSpPr>
+        <a:xfrm>
+          <a:off x="0" y="0"/>
+          <a:ext cx="0" cy="0"/>
+          <a:chOff x="0" y="0"/>
+          <a:chExt cx="0" cy="0"/>
+        </a:xfrm>
+      </p:grpSpPr>
+      <p:sp>
+        <p:nvSpPr>
+          <p:cNvPr id="2" name="标题 1">
+            <a:extLst>
+              <a:ext uri="{FF2B5EF4-FFF2-40B4-BE49-F238E27FC236}">
+                <a16:creationId xmlns:a16="http://schemas.microsoft.com/office/drawing/2014/main" id="{29372F13-8F20-4734-BB60-FB51E21E8AC6}"/>
+              </a:ext>
+            </a:extLst>
+          </p:cNvPr>
+          <p:cNvSpPr>
+            <a:spLocks noGrp="1"/>
+          </p:cNvSpPr>
+          <p:nvPr>
+            <p:ph type="title"/>
+          </p:nvPr>
+        </p:nvSpPr>
+        <p:spPr/>
+        <p:txBody>
+          <a:bodyPr/>
+          <a:lstStyle/>
+          <a:p>
+            <a:r>
+              <a:rPr lang="zh-CN" altLang="en-US" dirty="0"/>
+              <a:t>方差溢价</a:t>
+            </a:r>
+          </a:p>
+        </p:txBody>
+      </p:sp>
+      <p:sp>
+        <p:nvSpPr>
+          <p:cNvPr id="4" name="内容占位符 3">
+            <a:extLst>
+              <a:ext uri="{FF2B5EF4-FFF2-40B4-BE49-F238E27FC236}">
+                <a16:creationId xmlns:a16="http://schemas.microsoft.com/office/drawing/2014/main" id="{A011815E-4BD8-43B6-BEF1-BFE2B614996E}"/>
+              </a:ext>
+            </a:extLst>
+          </p:cNvPr>
+          <p:cNvSpPr>
+            <a:spLocks noGrp="1"/>
+          </p:cNvSpPr>
+          <p:nvPr>
+            <p:ph sz="half" idx="1"/>
+          </p:nvPr>
+        </p:nvSpPr>
+        <p:spPr/>
+        <p:txBody>
+          <a:bodyPr>
+            <a:normAutofit/>
+          </a:bodyPr>
+          <a:lstStyle/>
+          <a:p>
+            <a:r>
+              <a:rPr lang="zh-CN" altLang="en-US" sz="2400" dirty="0"/>
+              <a:t>卖出</a:t>
+            </a:r>
+            <a:r>
+              <a:rPr lang="en-US" altLang="zh-CN" sz="2400" dirty="0"/>
+              <a:t>QQQ</a:t>
+            </a:r>
+            <a:r>
+              <a:rPr lang="zh-CN" altLang="en-US" sz="2400" dirty="0"/>
+              <a:t>指数期权</a:t>
+            </a:r>
+            <a:r>
+              <a:rPr lang="en-US" altLang="zh-CN" sz="2400" dirty="0"/>
+              <a:t>10-Delta</a:t>
+            </a:r>
+            <a:r>
+              <a:rPr lang="zh-CN" altLang="en-US" sz="2400" dirty="0"/>
+              <a:t>跨式</a:t>
+            </a:r>
+            <a:endParaRPr lang="en-US" altLang="zh-CN" sz="2400" dirty="0"/>
+          </a:p>
+          <a:p>
+            <a:pPr marL="0" indent="0">
+              <a:buNone/>
+            </a:pPr>
+            <a:r>
+              <a:rPr lang="zh-CN" altLang="en-US" sz="2400" dirty="0"/>
+              <a:t>周收益率：</a:t>
+            </a:r>
+            <a:r>
+              <a:rPr lang="en-US" altLang="zh-CN" sz="2400" dirty="0"/>
+              <a:t>19.9%(</a:t>
+            </a:r>
+            <a:r>
+              <a:rPr lang="zh-CN" altLang="en-US" sz="2400" dirty="0"/>
+              <a:t>年化</a:t>
+            </a:r>
+            <a:r>
+              <a:rPr lang="en-US" altLang="zh-CN" sz="2400" dirty="0"/>
+              <a:t>)</a:t>
+            </a:r>
+          </a:p>
+          <a:p>
+            <a:pPr marL="0" indent="0">
+              <a:buNone/>
+            </a:pPr>
+            <a:r>
+              <a:rPr lang="zh-CN" altLang="en-US" sz="2400" dirty="0"/>
+              <a:t>夏普比：</a:t>
+            </a:r>
+            <a:r>
+              <a:rPr lang="en-US" altLang="zh-CN" sz="2400" dirty="0"/>
+              <a:t>1.32</a:t>
+            </a:r>
+          </a:p>
+          <a:p>
+            <a:pPr marL="0" indent="0">
+              <a:buNone/>
+            </a:pPr>
+            <a:r>
+              <a:rPr lang="zh-CN" altLang="en-US" sz="2400" dirty="0"/>
+              <a:t>最大回撤：</a:t>
+            </a:r>
+            <a:r>
+              <a:rPr lang="en-US" altLang="zh-CN" sz="2400" dirty="0"/>
+              <a:t>20.6%</a:t>
+            </a:r>
+          </a:p>
+          <a:p>
+            <a:endParaRPr lang="en-US" altLang="zh-CN" sz="2400" dirty="0"/>
+          </a:p>
+          <a:p>
+            <a:r>
+              <a:rPr lang="zh-CN" altLang="en-US" sz="2400" dirty="0"/>
+              <a:t>卖出</a:t>
+            </a:r>
+            <a:r>
+              <a:rPr lang="en-US" altLang="zh-CN" sz="2400" dirty="0"/>
+              <a:t>QQQ</a:t>
+            </a:r>
+            <a:r>
+              <a:rPr lang="zh-CN" altLang="en-US" sz="2400" dirty="0"/>
+              <a:t>指数期权</a:t>
+            </a:r>
+            <a:r>
+              <a:rPr lang="en-US" altLang="zh-CN" sz="2400" dirty="0"/>
+              <a:t>20-Delta</a:t>
+            </a:r>
+            <a:r>
+              <a:rPr lang="zh-CN" altLang="en-US" sz="2400" dirty="0"/>
+              <a:t>跨式</a:t>
+            </a:r>
+            <a:endParaRPr lang="en-US" altLang="zh-CN" sz="2400" dirty="0"/>
+          </a:p>
+          <a:p>
+            <a:pPr marL="0" indent="0">
+              <a:buNone/>
+            </a:pPr>
+            <a:r>
+              <a:rPr lang="zh-CN" altLang="en-US" sz="2400" dirty="0"/>
+              <a:t>周收益率：</a:t>
+            </a:r>
+            <a:r>
+              <a:rPr lang="en-US" altLang="zh-CN" sz="2400" dirty="0"/>
+              <a:t>26.7%(</a:t>
+            </a:r>
+            <a:r>
+              <a:rPr lang="zh-CN" altLang="en-US" sz="2400" dirty="0"/>
+              <a:t>年化</a:t>
+            </a:r>
+            <a:r>
+              <a:rPr lang="en-US" altLang="zh-CN" sz="2400" dirty="0"/>
+              <a:t>)</a:t>
+            </a:r>
+          </a:p>
+          <a:p>
+            <a:pPr marL="0" indent="0">
+              <a:buNone/>
+            </a:pPr>
+            <a:r>
+              <a:rPr lang="zh-CN" altLang="en-US" sz="2400" dirty="0"/>
+              <a:t>夏普比：</a:t>
+            </a:r>
+            <a:r>
+              <a:rPr lang="en-US" altLang="zh-CN" sz="2400" dirty="0"/>
+              <a:t>1.21</a:t>
+            </a:r>
+          </a:p>
+          <a:p>
+            <a:pPr marL="0" indent="0">
+              <a:buNone/>
+            </a:pPr>
+            <a:r>
+              <a:rPr lang="zh-CN" altLang="en-US" sz="2400" dirty="0"/>
+              <a:t>最大回撤：</a:t>
+            </a:r>
+            <a:r>
+              <a:rPr lang="en-US" altLang="zh-CN" sz="2400" dirty="0"/>
+              <a:t>34.2%</a:t>
+            </a:r>
+          </a:p>
+          <a:p>
+            <a:pPr marL="0" indent="0">
+              <a:buNone/>
+            </a:pPr>
+            <a:endParaRPr lang="en-US" altLang="zh-CN" sz="2400" dirty="0"/>
+          </a:p>
+        </p:txBody>
+      </p:sp>
+      <p:sp>
+        <p:nvSpPr>
+          <p:cNvPr id="5" name="内容占位符 4">
+            <a:extLst>
+              <a:ext uri="{FF2B5EF4-FFF2-40B4-BE49-F238E27FC236}">
+                <a16:creationId xmlns:a16="http://schemas.microsoft.com/office/drawing/2014/main" id="{E86292BC-6805-4C4E-8FF0-978FC53BF55F}"/>
+              </a:ext>
+            </a:extLst>
+          </p:cNvPr>
+          <p:cNvSpPr>
+            <a:spLocks noGrp="1"/>
+          </p:cNvSpPr>
+          <p:nvPr>
+            <p:ph sz="half" idx="2"/>
+          </p:nvPr>
+        </p:nvSpPr>
+        <p:spPr/>
+        <p:txBody>
+          <a:bodyPr/>
+          <a:lstStyle/>
+          <a:p>
+            <a:r>
+              <a:rPr lang="zh-CN" altLang="en-US" sz="2400" dirty="0"/>
+              <a:t>卖出</a:t>
+            </a:r>
+            <a:r>
+              <a:rPr lang="en-US" altLang="zh-CN" sz="2400" dirty="0"/>
+              <a:t>QQQ</a:t>
+            </a:r>
+            <a:r>
+              <a:rPr lang="zh-CN" altLang="en-US" sz="2400" dirty="0"/>
+              <a:t>指数期权</a:t>
+            </a:r>
+            <a:r>
+              <a:rPr lang="en-US" altLang="zh-CN" sz="2400" dirty="0"/>
+              <a:t>30-Delta</a:t>
+            </a:r>
+            <a:r>
+              <a:rPr lang="zh-CN" altLang="en-US" sz="2400" dirty="0"/>
+              <a:t>跨式</a:t>
+            </a:r>
+            <a:endParaRPr lang="en-US" altLang="zh-CN" sz="2400" dirty="0"/>
+          </a:p>
+          <a:p>
+            <a:pPr marL="0" indent="0">
+              <a:buNone/>
+            </a:pPr>
+            <a:r>
+              <a:rPr lang="zh-CN" altLang="en-US" sz="2400" dirty="0"/>
+              <a:t>周收益率：</a:t>
+            </a:r>
+            <a:r>
+              <a:rPr lang="en-US" altLang="zh-CN" sz="2400" dirty="0"/>
+              <a:t>22.5%(</a:t>
+            </a:r>
+            <a:r>
+              <a:rPr lang="zh-CN" altLang="en-US" sz="2400" dirty="0"/>
+              <a:t>年化</a:t>
+            </a:r>
+            <a:r>
+              <a:rPr lang="en-US" altLang="zh-CN" sz="2400" dirty="0"/>
+              <a:t>)</a:t>
+            </a:r>
+          </a:p>
+          <a:p>
+            <a:pPr marL="0" indent="0">
+              <a:buNone/>
+            </a:pPr>
+            <a:r>
+              <a:rPr lang="zh-CN" altLang="en-US" sz="2400" dirty="0"/>
+              <a:t>夏普比：</a:t>
+            </a:r>
+            <a:r>
+              <a:rPr lang="en-US" altLang="zh-CN" sz="2400" dirty="0"/>
+              <a:t>1.14</a:t>
+            </a:r>
+          </a:p>
+          <a:p>
+            <a:pPr marL="0" indent="0">
+              <a:buNone/>
+            </a:pPr>
+            <a:r>
+              <a:rPr lang="zh-CN" altLang="en-US" sz="2400" dirty="0"/>
+              <a:t>最大回撤：</a:t>
+            </a:r>
+            <a:r>
+              <a:rPr lang="en-US" altLang="zh-CN" sz="2400" dirty="0"/>
+              <a:t>32.9%</a:t>
+            </a:r>
+          </a:p>
+          <a:p>
+            <a:endParaRPr lang="en-US" altLang="zh-CN" sz="2400" dirty="0"/>
+          </a:p>
+          <a:p>
+            <a:r>
+              <a:rPr lang="zh-CN" altLang="en-US" sz="2400" dirty="0"/>
+              <a:t>卖出</a:t>
+            </a:r>
+            <a:r>
+              <a:rPr lang="en-US" altLang="zh-CN" sz="2400" dirty="0"/>
+              <a:t>QQQ</a:t>
+            </a:r>
+            <a:r>
+              <a:rPr lang="zh-CN" altLang="en-US" sz="2400" dirty="0"/>
+              <a:t>指数期权</a:t>
+            </a:r>
+            <a:r>
+              <a:rPr lang="en-US" altLang="zh-CN" sz="2400" dirty="0"/>
+              <a:t>50-Delta</a:t>
+            </a:r>
+            <a:r>
+              <a:rPr lang="zh-CN" altLang="en-US" sz="2400" dirty="0"/>
+              <a:t>跨式</a:t>
+            </a:r>
+            <a:endParaRPr lang="en-US" altLang="zh-CN" sz="2400" dirty="0"/>
+          </a:p>
+          <a:p>
+            <a:pPr marL="0" indent="0">
+              <a:buNone/>
+            </a:pPr>
+            <a:r>
+              <a:rPr lang="zh-CN" altLang="en-US" sz="2400" dirty="0"/>
+              <a:t>周收益率：</a:t>
+            </a:r>
+            <a:r>
+              <a:rPr lang="en-US" altLang="zh-CN" sz="2400" dirty="0"/>
+              <a:t>21.7%(</a:t>
+            </a:r>
+            <a:r>
+              <a:rPr lang="zh-CN" altLang="en-US" sz="2400" dirty="0"/>
+              <a:t>年化</a:t>
+            </a:r>
+            <a:r>
+              <a:rPr lang="en-US" altLang="zh-CN" sz="2400" dirty="0"/>
+              <a:t>)</a:t>
+            </a:r>
+          </a:p>
+          <a:p>
+            <a:pPr marL="0" indent="0">
+              <a:buNone/>
+            </a:pPr>
+            <a:r>
+              <a:rPr lang="zh-CN" altLang="en-US" sz="2400" dirty="0"/>
+              <a:t>夏普比：</a:t>
+            </a:r>
+            <a:r>
+              <a:rPr lang="en-US" altLang="zh-CN" sz="2400" dirty="0"/>
+              <a:t>1.14</a:t>
+            </a:r>
+          </a:p>
+          <a:p>
+            <a:pPr marL="0" indent="0">
+              <a:buNone/>
+            </a:pPr>
+            <a:r>
+              <a:rPr lang="zh-CN" altLang="en-US" sz="2400" dirty="0"/>
+              <a:t>最大回撤：</a:t>
+            </a:r>
+            <a:r>
+              <a:rPr lang="en-US" altLang="zh-CN" sz="2400" dirty="0"/>
+              <a:t>32.7%</a:t>
+            </a:r>
+          </a:p>
+          <a:p>
+            <a:pPr marL="0" indent="0">
+              <a:buNone/>
+            </a:pPr>
+            <a:endParaRPr lang="en-US" altLang="zh-CN" sz="2400" dirty="0"/>
+          </a:p>
+          <a:p>
+            <a:endParaRPr lang="zh-CN" altLang="en-US" dirty="0"/>
+          </a:p>
+        </p:txBody>
+      </p:sp>
+      <p:sp>
+        <p:nvSpPr>
+          <p:cNvPr id="6" name="标题 1">
+            <a:extLst>
+              <a:ext uri="{FF2B5EF4-FFF2-40B4-BE49-F238E27FC236}">
+                <a16:creationId xmlns:a16="http://schemas.microsoft.com/office/drawing/2014/main" id="{1792950C-C2BB-44B5-99DB-76F3A9332910}"/>
+              </a:ext>
+            </a:extLst>
+          </p:cNvPr>
+          <p:cNvSpPr txBox="1">
+            <a:spLocks/>
+          </p:cNvSpPr>
+          <p:nvPr/>
+        </p:nvSpPr>
+        <p:spPr>
+          <a:xfrm>
+            <a:off x="838200" y="5988686"/>
+            <a:ext cx="4229148" cy="376553"/>
+          </a:xfrm>
+          <a:prstGeom prst="rect">
+            <a:avLst/>
+          </a:prstGeom>
+        </p:spPr>
+        <p:txBody>
+          <a:bodyPr vert="horz" lIns="91440" tIns="45720" rIns="91440" bIns="45720" rtlCol="0" anchor="ctr">
+            <a:normAutofit/>
+          </a:bodyPr>
+          <a:lstStyle>
+            <a:lvl1pPr algn="l" defTabSz="914400" rtl="0" eaLnBrk="1" latinLnBrk="0" hangingPunct="1">
+              <a:lnSpc>
+                <a:spcPct val="90000"/>
+              </a:lnSpc>
+              <a:spcBef>
+                <a:spcPct val="0"/>
+              </a:spcBef>
+              <a:buNone/>
+              <a:defRPr sz="4400" kern="1200">
+                <a:solidFill>
+                  <a:schemeClr val="tx1"/>
+                </a:solidFill>
+                <a:latin typeface="+mj-lt"/>
+                <a:ea typeface="+mj-ea"/>
+                <a:cs typeface="+mj-cs"/>
+              </a:defRPr>
+            </a:lvl1pPr>
+          </a:lstStyle>
+          <a:p>
+            <a:r>
+              <a:rPr lang="zh-CN" altLang="en-US" sz="1600" dirty="0"/>
+              <a:t>注：纳斯达克</a:t>
+            </a:r>
+            <a:r>
+              <a:rPr lang="en-US" altLang="zh-CN" sz="1600" dirty="0"/>
+              <a:t>100</a:t>
+            </a:r>
+            <a:r>
+              <a:rPr lang="zh-CN" altLang="en-US" sz="1600" dirty="0"/>
+              <a:t>指数</a:t>
+            </a:r>
+            <a:r>
+              <a:rPr lang="en-US" altLang="zh-CN" sz="1600" dirty="0"/>
+              <a:t>(QQQ) 2000-2010</a:t>
+            </a:r>
+            <a:r>
+              <a:rPr lang="zh-CN" altLang="en-US" sz="1600" dirty="0"/>
+              <a:t>数据</a:t>
+            </a:r>
+          </a:p>
+        </p:txBody>
+      </p:sp>
+    </p:spTree>
+    <p:extLst>
+      <p:ext uri="{BB962C8B-B14F-4D97-AF65-F5344CB8AC3E}">
+        <p14:creationId xmlns:p14="http://schemas.microsoft.com/office/powerpoint/2010/main" val="649902644"/>
+      </p:ext>
+    </p:extLst>
+  </p:cSld>
+  <p:clrMapOvr>
+    <a:masterClrMapping/>
+  </p:clrMapOvr>
+</p:sld>
+</file>
+
+<file path=ppt/slides/slide36.xml><?xml version="1.0" encoding="utf-8"?>
+<p:sld xmlns:a="http://schemas.openxmlformats.org/drawingml/2006/main" xmlns:r="http://schemas.openxmlformats.org/officeDocument/2006/relationships" xmlns:p="http://schemas.openxmlformats.org/presentationml/2006/main">
+  <p:cSld>
+    <p:spTree>
+      <p:nvGrpSpPr>
+        <p:cNvPr id="1" name=""/>
+        <p:cNvGrpSpPr/>
+        <p:nvPr/>
+      </p:nvGrpSpPr>
+      <p:grpSpPr>
+        <a:xfrm>
+          <a:off x="0" y="0"/>
+          <a:ext cx="0" cy="0"/>
+          <a:chOff x="0" y="0"/>
+          <a:chExt cx="0" cy="0"/>
+        </a:xfrm>
+      </p:grpSpPr>
+      <p:sp>
+        <p:nvSpPr>
+          <p:cNvPr id="2" name="标题 1">
+            <a:extLst>
+              <a:ext uri="{FF2B5EF4-FFF2-40B4-BE49-F238E27FC236}">
+                <a16:creationId xmlns:a16="http://schemas.microsoft.com/office/drawing/2014/main" id="{29372F13-8F20-4734-BB60-FB51E21E8AC6}"/>
+              </a:ext>
+            </a:extLst>
+          </p:cNvPr>
+          <p:cNvSpPr>
+            <a:spLocks noGrp="1"/>
+          </p:cNvSpPr>
+          <p:nvPr>
+            <p:ph type="title"/>
+          </p:nvPr>
+        </p:nvSpPr>
+        <p:spPr/>
+        <p:txBody>
+          <a:bodyPr/>
+          <a:lstStyle/>
+          <a:p>
+            <a:r>
+              <a:rPr lang="zh-CN" altLang="en-US" dirty="0"/>
+              <a:t>方差溢价</a:t>
+            </a:r>
+          </a:p>
+        </p:txBody>
+      </p:sp>
+      <p:sp>
+        <p:nvSpPr>
+          <p:cNvPr id="3" name="内容占位符 2">
+            <a:extLst>
+              <a:ext uri="{FF2B5EF4-FFF2-40B4-BE49-F238E27FC236}">
+                <a16:creationId xmlns:a16="http://schemas.microsoft.com/office/drawing/2014/main" id="{B57F650C-1648-48A0-BCE2-F8B17A2668C5}"/>
+              </a:ext>
+            </a:extLst>
+          </p:cNvPr>
+          <p:cNvSpPr>
+            <a:spLocks noGrp="1"/>
+          </p:cNvSpPr>
+          <p:nvPr>
+            <p:ph idx="1"/>
+          </p:nvPr>
+        </p:nvSpPr>
+        <p:spPr/>
+        <p:txBody>
+          <a:bodyPr/>
+          <a:lstStyle/>
+          <a:p>
+            <a:pPr marL="0" indent="0">
+              <a:buNone/>
+            </a:pPr>
+            <a:r>
+              <a:rPr lang="zh-CN" altLang="en-US" dirty="0"/>
+              <a:t>产生溢价的可能原因</a:t>
+            </a:r>
+            <a:endParaRPr lang="en-US" altLang="zh-CN" dirty="0"/>
+          </a:p>
+          <a:p>
+            <a:r>
+              <a:rPr lang="zh-CN" altLang="en-US" dirty="0"/>
+              <a:t>卖出期权会得到具有显著负的偏度和超额峰度的收益率，投资者对这两者都不喜欢，因此需要得到补偿</a:t>
+            </a:r>
+            <a:endParaRPr lang="en-US" altLang="zh-CN" dirty="0"/>
+          </a:p>
+          <a:p>
+            <a:r>
+              <a:rPr lang="zh-CN" altLang="en-US" dirty="0"/>
+              <a:t>期权卖家是在提供保险，需要为此获得补偿</a:t>
+            </a:r>
+            <a:endParaRPr lang="en-US" altLang="zh-CN" dirty="0"/>
+          </a:p>
+          <a:p>
+            <a:r>
+              <a:rPr lang="zh-CN" altLang="en-US" dirty="0"/>
+              <a:t>不能以过去最糟糕的事情估计未来，收到的权利金一部分正是用于涵盖以前从未发生过的事</a:t>
+            </a:r>
+          </a:p>
+        </p:txBody>
+      </p:sp>
+    </p:spTree>
+    <p:extLst>
+      <p:ext uri="{BB962C8B-B14F-4D97-AF65-F5344CB8AC3E}">
+        <p14:creationId xmlns:p14="http://schemas.microsoft.com/office/powerpoint/2010/main" val="3658600504"/>
+      </p:ext>
+    </p:extLst>
+  </p:cSld>
+  <p:clrMapOvr>
+    <a:masterClrMapping/>
+  </p:clrMapOvr>
+</p:sld>
+</file>
+
+<file path=ppt/slides/slide37.xml><?xml version="1.0" encoding="utf-8"?>
+<p:sld xmlns:a="http://schemas.openxmlformats.org/drawingml/2006/main" xmlns:r="http://schemas.openxmlformats.org/officeDocument/2006/relationships" xmlns:p="http://schemas.openxmlformats.org/presentationml/2006/main">
+  <p:cSld>
+    <p:spTree>
+      <p:nvGrpSpPr>
+        <p:cNvPr id="1" name=""/>
+        <p:cNvGrpSpPr/>
+        <p:nvPr/>
+      </p:nvGrpSpPr>
+      <p:grpSpPr>
+        <a:xfrm>
+          <a:off x="0" y="0"/>
+          <a:ext cx="0" cy="0"/>
+          <a:chOff x="0" y="0"/>
+          <a:chExt cx="0" cy="0"/>
+        </a:xfrm>
+      </p:grpSpPr>
+      <p:sp>
+        <p:nvSpPr>
+          <p:cNvPr id="2" name="标题 1">
+            <a:extLst>
+              <a:ext uri="{FF2B5EF4-FFF2-40B4-BE49-F238E27FC236}">
+                <a16:creationId xmlns:a16="http://schemas.microsoft.com/office/drawing/2014/main" id="{6C9D39AF-72E2-4646-B37B-52467BF5E428}"/>
+              </a:ext>
+            </a:extLst>
+          </p:cNvPr>
+          <p:cNvSpPr>
+            <a:spLocks noGrp="1"/>
+          </p:cNvSpPr>
+          <p:nvPr>
+            <p:ph type="title"/>
+          </p:nvPr>
+        </p:nvSpPr>
+        <p:spPr/>
+        <p:txBody>
+          <a:bodyPr/>
+          <a:lstStyle/>
+          <a:p>
+            <a:r>
+              <a:rPr lang="zh-CN" altLang="en-US" dirty="0"/>
+              <a:t>均值回复交易策略</a:t>
+            </a:r>
+          </a:p>
+        </p:txBody>
+      </p:sp>
+      <p:sp>
+        <p:nvSpPr>
+          <p:cNvPr id="3" name="内容占位符 2">
+            <a:extLst>
+              <a:ext uri="{FF2B5EF4-FFF2-40B4-BE49-F238E27FC236}">
+                <a16:creationId xmlns:a16="http://schemas.microsoft.com/office/drawing/2014/main" id="{16AB1B5F-DADE-45DC-901A-43FDF85F7AB8}"/>
+              </a:ext>
+            </a:extLst>
+          </p:cNvPr>
+          <p:cNvSpPr>
+            <a:spLocks noGrp="1"/>
+          </p:cNvSpPr>
+          <p:nvPr>
+            <p:ph idx="1"/>
+          </p:nvPr>
+        </p:nvSpPr>
+        <p:spPr/>
+        <p:txBody>
+          <a:bodyPr/>
+          <a:lstStyle/>
+          <a:p>
+            <a:r>
+              <a:rPr lang="zh-CN" altLang="en-US" dirty="0"/>
+              <a:t>波动率的随机误差项间存在负的自相关性</a:t>
+            </a:r>
+            <a:endParaRPr lang="en-US" altLang="zh-CN" dirty="0"/>
+          </a:p>
+          <a:p>
+            <a:r>
+              <a:rPr lang="zh-CN" altLang="en-US" dirty="0"/>
+              <a:t>短期波动率会向长期均值回复</a:t>
+            </a:r>
+            <a:endParaRPr lang="en-US" altLang="zh-CN" dirty="0"/>
+          </a:p>
+          <a:p>
+            <a:pPr marL="0" indent="0">
+              <a:buNone/>
+            </a:pPr>
+            <a:endParaRPr lang="en-US" altLang="zh-CN" dirty="0"/>
+          </a:p>
+          <a:p>
+            <a:pPr marL="0" indent="0">
+              <a:buNone/>
+            </a:pPr>
+            <a:r>
+              <a:rPr lang="zh-CN" altLang="en-US" dirty="0"/>
+              <a:t>均值回复类策略</a:t>
+            </a:r>
+            <a:endParaRPr lang="en-US" altLang="zh-CN" dirty="0"/>
+          </a:p>
+          <a:p>
+            <a:pPr marL="0" indent="0">
+              <a:buNone/>
+            </a:pPr>
+            <a:r>
+              <a:rPr lang="zh-CN" altLang="en-US" dirty="0"/>
+              <a:t>隐含波动率高于一定水平时做空波动率</a:t>
+            </a:r>
+            <a:endParaRPr lang="en-US" altLang="zh-CN" dirty="0"/>
+          </a:p>
+          <a:p>
+            <a:pPr marL="0" indent="0">
+              <a:buNone/>
+            </a:pPr>
+            <a:r>
+              <a:rPr lang="zh-CN" altLang="en-US" dirty="0"/>
+              <a:t>隐含波动率低于一定水平时做多波动率</a:t>
+            </a:r>
+          </a:p>
+        </p:txBody>
+      </p:sp>
+    </p:spTree>
+    <p:extLst>
+      <p:ext uri="{BB962C8B-B14F-4D97-AF65-F5344CB8AC3E}">
+        <p14:creationId xmlns:p14="http://schemas.microsoft.com/office/powerpoint/2010/main" val="3589737847"/>
+      </p:ext>
+    </p:extLst>
+  </p:cSld>
+  <p:clrMapOvr>
+    <a:masterClrMapping/>
+  </p:clrMapOvr>
+</p:sld>
+</file>
+
+<file path=ppt/slides/slide38.xml><?xml version="1.0" encoding="utf-8"?>
+<p:sld xmlns:a="http://schemas.openxmlformats.org/drawingml/2006/main" xmlns:r="http://schemas.openxmlformats.org/officeDocument/2006/relationships" xmlns:p="http://schemas.openxmlformats.org/presentationml/2006/main">
+  <p:cSld>
+    <p:spTree>
+      <p:nvGrpSpPr>
+        <p:cNvPr id="1" name=""/>
+        <p:cNvGrpSpPr/>
+        <p:nvPr/>
+      </p:nvGrpSpPr>
+      <p:grpSpPr>
+        <a:xfrm>
+          <a:off x="0" y="0"/>
+          <a:ext cx="0" cy="0"/>
+          <a:chOff x="0" y="0"/>
+          <a:chExt cx="0" cy="0"/>
+        </a:xfrm>
+      </p:grpSpPr>
+      <p:sp>
+        <p:nvSpPr>
+          <p:cNvPr id="2" name="标题 1">
+            <a:extLst>
+              <a:ext uri="{FF2B5EF4-FFF2-40B4-BE49-F238E27FC236}">
+                <a16:creationId xmlns:a16="http://schemas.microsoft.com/office/drawing/2014/main" id="{6F8EDD27-9E21-48C0-9C32-22EE69CAB7E4}"/>
+              </a:ext>
+            </a:extLst>
+          </p:cNvPr>
+          <p:cNvSpPr>
+            <a:spLocks noGrp="1"/>
+          </p:cNvSpPr>
+          <p:nvPr>
+            <p:ph type="title"/>
+          </p:nvPr>
+        </p:nvSpPr>
+        <p:spPr/>
+        <p:txBody>
+          <a:bodyPr/>
+          <a:lstStyle/>
+          <a:p>
+            <a:r>
+              <a:rPr lang="zh-CN" altLang="en-US" dirty="0"/>
+              <a:t>均值回复交易策略</a:t>
+            </a:r>
+          </a:p>
+        </p:txBody>
+      </p:sp>
+      <p:graphicFrame>
+        <p:nvGraphicFramePr>
+          <p:cNvPr id="4" name="内容占位符 3">
+            <a:extLst>
+              <a:ext uri="{FF2B5EF4-FFF2-40B4-BE49-F238E27FC236}">
+                <a16:creationId xmlns:a16="http://schemas.microsoft.com/office/drawing/2014/main" id="{00000000-0008-0000-0000-000002000000}"/>
+              </a:ext>
+            </a:extLst>
+          </p:cNvPr>
+          <p:cNvGraphicFramePr>
+            <a:graphicFrameLocks noGrp="1"/>
+          </p:cNvGraphicFramePr>
+          <p:nvPr>
+            <p:ph idx="1"/>
+          </p:nvPr>
+        </p:nvGraphicFramePr>
+        <p:xfrm>
+          <a:off x="838200" y="1825625"/>
+          <a:ext cx="10515600" cy="4351338"/>
+        </p:xfrm>
+        <a:graphic>
+          <a:graphicData uri="http://schemas.openxmlformats.org/drawingml/2006/chart">
+            <c:chart xmlns:c="http://schemas.openxmlformats.org/drawingml/2006/chart" xmlns:r="http://schemas.openxmlformats.org/officeDocument/2006/relationships" r:id="rId2"/>
+          </a:graphicData>
+        </a:graphic>
+      </p:graphicFrame>
+      <p:sp>
+        <p:nvSpPr>
+          <p:cNvPr id="5" name="标题 1">
+            <a:extLst>
+              <a:ext uri="{FF2B5EF4-FFF2-40B4-BE49-F238E27FC236}">
+                <a16:creationId xmlns:a16="http://schemas.microsoft.com/office/drawing/2014/main" id="{A14F73A1-4539-46EE-BB44-3B81BE2C923F}"/>
+              </a:ext>
+            </a:extLst>
+          </p:cNvPr>
+          <p:cNvSpPr txBox="1">
+            <a:spLocks/>
+          </p:cNvSpPr>
+          <p:nvPr/>
+        </p:nvSpPr>
+        <p:spPr>
+          <a:xfrm>
+            <a:off x="838200" y="6123623"/>
+            <a:ext cx="4229148" cy="376553"/>
+          </a:xfrm>
+          <a:prstGeom prst="rect">
+            <a:avLst/>
+          </a:prstGeom>
+        </p:spPr>
+        <p:txBody>
+          <a:bodyPr vert="horz" lIns="91440" tIns="45720" rIns="91440" bIns="45720" rtlCol="0" anchor="ctr">
+            <a:normAutofit/>
+          </a:bodyPr>
+          <a:lstStyle>
+            <a:lvl1pPr algn="l" defTabSz="914400" rtl="0" eaLnBrk="1" latinLnBrk="0" hangingPunct="1">
+              <a:lnSpc>
+                <a:spcPct val="90000"/>
+              </a:lnSpc>
+              <a:spcBef>
+                <a:spcPct val="0"/>
+              </a:spcBef>
+              <a:buNone/>
+              <a:defRPr sz="4400" kern="1200">
+                <a:solidFill>
+                  <a:schemeClr val="tx1"/>
+                </a:solidFill>
+                <a:latin typeface="+mj-lt"/>
+                <a:ea typeface="+mj-ea"/>
+                <a:cs typeface="+mj-cs"/>
+              </a:defRPr>
+            </a:lvl1pPr>
+          </a:lstStyle>
+          <a:p>
+            <a:r>
+              <a:rPr lang="zh-CN" altLang="en-US" sz="1600" dirty="0"/>
+              <a:t>注：</a:t>
+            </a:r>
+            <a:r>
+              <a:rPr lang="en-US" altLang="zh-CN" sz="1600" dirty="0"/>
+              <a:t>50ETF</a:t>
+            </a:r>
+            <a:r>
+              <a:rPr lang="zh-CN" altLang="en-US" sz="1600" dirty="0"/>
+              <a:t>历史</a:t>
+            </a:r>
+            <a:r>
+              <a:rPr lang="en-US" altLang="zh-CN" sz="1600" dirty="0"/>
+              <a:t>GK</a:t>
+            </a:r>
+            <a:r>
+              <a:rPr lang="zh-CN" altLang="en-US" sz="1600" dirty="0"/>
+              <a:t>估计波动率锥</a:t>
+            </a:r>
+          </a:p>
+        </p:txBody>
+      </p:sp>
+    </p:spTree>
+    <p:extLst>
+      <p:ext uri="{BB962C8B-B14F-4D97-AF65-F5344CB8AC3E}">
+        <p14:creationId xmlns:p14="http://schemas.microsoft.com/office/powerpoint/2010/main" val="2601725585"/>
+      </p:ext>
+    </p:extLst>
+  </p:cSld>
+  <p:clrMapOvr>
+    <a:masterClrMapping/>
+  </p:clrMapOvr>
+</p:sld>
+</file>
+
+<file path=ppt/slides/slide39.xml><?xml version="1.0" encoding="utf-8"?>
+<p:sld xmlns:a="http://schemas.openxmlformats.org/drawingml/2006/main" xmlns:r="http://schemas.openxmlformats.org/officeDocument/2006/relationships" xmlns:p="http://schemas.openxmlformats.org/presentationml/2006/main">
+  <p:cSld>
+    <p:spTree>
+      <p:nvGrpSpPr>
+        <p:cNvPr id="1" name=""/>
+        <p:cNvGrpSpPr/>
+        <p:nvPr/>
+      </p:nvGrpSpPr>
+      <p:grpSpPr>
+        <a:xfrm>
+          <a:off x="0" y="0"/>
+          <a:ext cx="0" cy="0"/>
+          <a:chOff x="0" y="0"/>
+          <a:chExt cx="0" cy="0"/>
+        </a:xfrm>
+      </p:grpSpPr>
+      <p:sp>
+        <p:nvSpPr>
+          <p:cNvPr id="2" name="标题 1">
+            <a:extLst>
+              <a:ext uri="{FF2B5EF4-FFF2-40B4-BE49-F238E27FC236}">
+                <a16:creationId xmlns:a16="http://schemas.microsoft.com/office/drawing/2014/main" id="{91629A92-809A-46AF-9CDE-927C739AE0D4}"/>
+              </a:ext>
+            </a:extLst>
+          </p:cNvPr>
+          <p:cNvSpPr>
+            <a:spLocks noGrp="1"/>
+          </p:cNvSpPr>
+          <p:nvPr>
+            <p:ph type="title"/>
+          </p:nvPr>
+        </p:nvSpPr>
+        <p:spPr/>
+        <p:txBody>
+          <a:bodyPr/>
+          <a:lstStyle/>
+          <a:p>
+            <a:r>
+              <a:rPr lang="zh-CN" altLang="en-US" dirty="0"/>
+              <a:t>均值回复交易策略</a:t>
+            </a:r>
+          </a:p>
+        </p:txBody>
+      </p:sp>
+      <p:sp>
+        <p:nvSpPr>
+          <p:cNvPr id="3" name="内容占位符 2">
+            <a:extLst>
+              <a:ext uri="{FF2B5EF4-FFF2-40B4-BE49-F238E27FC236}">
+                <a16:creationId xmlns:a16="http://schemas.microsoft.com/office/drawing/2014/main" id="{3B39065E-B67E-43B4-B40A-DA5046AA40AE}"/>
+              </a:ext>
+            </a:extLst>
+          </p:cNvPr>
+          <p:cNvSpPr>
+            <a:spLocks noGrp="1"/>
+          </p:cNvSpPr>
+          <p:nvPr>
+            <p:ph idx="1"/>
+          </p:nvPr>
+        </p:nvSpPr>
+        <p:spPr/>
+        <p:txBody>
+          <a:bodyPr/>
+          <a:lstStyle/>
+          <a:p>
+            <a:pPr marL="0" indent="0">
+              <a:buNone/>
+            </a:pPr>
+            <a:r>
+              <a:rPr lang="zh-CN" altLang="en-US" dirty="0"/>
+              <a:t>反转型交易策略</a:t>
+            </a:r>
+            <a:endParaRPr lang="en-US" altLang="zh-CN" dirty="0"/>
+          </a:p>
+          <a:p>
+            <a:pPr marL="0" indent="0">
+              <a:buNone/>
+            </a:pPr>
+            <a:endParaRPr lang="zh-CN" altLang="en-US" dirty="0"/>
+          </a:p>
+        </p:txBody>
+      </p:sp>
+    </p:spTree>
+    <p:extLst>
+      <p:ext uri="{BB962C8B-B14F-4D97-AF65-F5344CB8AC3E}">
+        <p14:creationId xmlns:p14="http://schemas.microsoft.com/office/powerpoint/2010/main" val="892563049"/>
+      </p:ext>
+    </p:extLst>
+  </p:cSld>
+  <p:clrMapOvr>
+    <a:masterClrMapping/>
+  </p:clrMapOvr>
+</p:sld>
+</file>
+
+<file path=ppt/slides/slide4.xml><?xml version="1.0" encoding="utf-8"?>
+<p:sld xmlns:a="http://schemas.openxmlformats.org/drawingml/2006/main" xmlns:r="http://schemas.openxmlformats.org/officeDocument/2006/relationships" xmlns:p="http://schemas.openxmlformats.org/presentationml/2006/main">
+  <p:cSld>
+    <p:spTree>
+      <p:nvGrpSpPr>
+        <p:cNvPr id="1" name=""/>
+        <p:cNvGrpSpPr/>
+        <p:nvPr/>
+      </p:nvGrpSpPr>
+      <p:grpSpPr>
+        <a:xfrm>
+          <a:off x="0" y="0"/>
+          <a:ext cx="0" cy="0"/>
+          <a:chOff x="0" y="0"/>
+          <a:chExt cx="0" cy="0"/>
+        </a:xfrm>
+      </p:grpSpPr>
+      <p:sp>
+        <p:nvSpPr>
+          <p:cNvPr id="4" name="标题 3">
+            <a:extLst>
+              <a:ext uri="{FF2B5EF4-FFF2-40B4-BE49-F238E27FC236}">
+                <a16:creationId xmlns:a16="http://schemas.microsoft.com/office/drawing/2014/main" id="{9205264E-25A9-4004-9F78-25F14425C787}"/>
+              </a:ext>
+            </a:extLst>
+          </p:cNvPr>
+          <p:cNvSpPr>
+            <a:spLocks noGrp="1"/>
+          </p:cNvSpPr>
+          <p:nvPr>
+            <p:ph type="title"/>
+          </p:nvPr>
+        </p:nvSpPr>
+        <p:spPr>
+          <a:xfrm>
+            <a:off x="838200" y="365125"/>
+            <a:ext cx="2662382" cy="761711"/>
+          </a:xfrm>
+        </p:spPr>
+        <p:txBody>
+          <a:bodyPr>
+            <a:normAutofit/>
+          </a:bodyPr>
+          <a:lstStyle/>
+          <a:p>
+            <a:r>
+              <a:rPr lang="zh-CN" altLang="en-US" sz="3200" dirty="0"/>
+              <a:t>波动率的定义</a:t>
+            </a:r>
+          </a:p>
+        </p:txBody>
+      </p:sp>
+      <p:sp>
+        <p:nvSpPr>
+          <p:cNvPr id="5" name="内容占位符 4">
+            <a:extLst>
+              <a:ext uri="{FF2B5EF4-FFF2-40B4-BE49-F238E27FC236}">
+                <a16:creationId xmlns:a16="http://schemas.microsoft.com/office/drawing/2014/main" id="{ADD500EB-9BCB-4EE5-A0EE-7E9510E81BC9}"/>
+              </a:ext>
+            </a:extLst>
+          </p:cNvPr>
+          <p:cNvSpPr>
+            <a:spLocks noGrp="1"/>
+          </p:cNvSpPr>
+          <p:nvPr>
+            <p:ph idx="1"/>
+          </p:nvPr>
+        </p:nvSpPr>
+        <p:spPr>
+          <a:xfrm>
+            <a:off x="838200" y="1302327"/>
+            <a:ext cx="10515600" cy="4874636"/>
+          </a:xfrm>
+        </p:spPr>
+        <p:txBody>
+          <a:bodyPr/>
+          <a:lstStyle/>
+          <a:p>
+            <a:pPr>
+              <a:buFont typeface="Wingdings" panose="05000000000000000000" pitchFamily="2" charset="2"/>
+              <a:buChar char="l"/>
+            </a:pPr>
+            <a:r>
+              <a:rPr lang="zh-CN" altLang="en-US" dirty="0">
+                <a:latin typeface="宋体" panose="02010600030101010101" pitchFamily="2" charset="-122"/>
+                <a:ea typeface="宋体" panose="02010600030101010101" pitchFamily="2" charset="-122"/>
+              </a:rPr>
+              <a:t>波动率是对波动</a:t>
+            </a:r>
+            <a:r>
+              <a:rPr lang="en-US" altLang="zh-CN" dirty="0">
+                <a:latin typeface="宋体" panose="02010600030101010101" pitchFamily="2" charset="-122"/>
+                <a:ea typeface="宋体" panose="02010600030101010101" pitchFamily="2" charset="-122"/>
+              </a:rPr>
+              <a:t>(</a:t>
+            </a:r>
+            <a:r>
+              <a:rPr lang="zh-CN" altLang="en-US" dirty="0">
+                <a:latin typeface="宋体" panose="02010600030101010101" pitchFamily="2" charset="-122"/>
+                <a:ea typeface="宋体" panose="02010600030101010101" pitchFamily="2" charset="-122"/>
+              </a:rPr>
+              <a:t>风险</a:t>
+            </a:r>
+            <a:r>
+              <a:rPr lang="en-US" altLang="zh-CN" dirty="0">
+                <a:latin typeface="宋体" panose="02010600030101010101" pitchFamily="2" charset="-122"/>
+                <a:ea typeface="宋体" panose="02010600030101010101" pitchFamily="2" charset="-122"/>
+              </a:rPr>
+              <a:t>)</a:t>
+            </a:r>
+            <a:r>
+              <a:rPr lang="zh-CN" altLang="en-US" dirty="0">
+                <a:latin typeface="宋体" panose="02010600030101010101" pitchFamily="2" charset="-122"/>
+                <a:ea typeface="宋体" panose="02010600030101010101" pitchFamily="2" charset="-122"/>
+              </a:rPr>
+              <a:t>的抽象和表达</a:t>
+            </a:r>
+            <a:endParaRPr lang="en-US" altLang="zh-CN" dirty="0">
+              <a:latin typeface="宋体" panose="02010600030101010101" pitchFamily="2" charset="-122"/>
+              <a:ea typeface="宋体" panose="02010600030101010101" pitchFamily="2" charset="-122"/>
+            </a:endParaRPr>
+          </a:p>
+          <a:p>
+            <a:pPr marL="0" indent="0">
+              <a:buNone/>
+            </a:pPr>
+            <a:r>
+              <a:rPr lang="en-US" altLang="zh-CN" dirty="0">
+                <a:latin typeface="宋体" panose="02010600030101010101" pitchFamily="2" charset="-122"/>
+                <a:ea typeface="宋体" panose="02010600030101010101" pitchFamily="2" charset="-122"/>
+              </a:rPr>
+              <a:t>    </a:t>
+            </a:r>
+            <a:r>
+              <a:rPr lang="zh-CN" altLang="en-US" dirty="0">
+                <a:latin typeface="宋体" panose="02010600030101010101" pitchFamily="2" charset="-122"/>
+                <a:ea typeface="宋体" panose="02010600030101010101" pitchFamily="2" charset="-122"/>
+              </a:rPr>
+              <a:t>波动率不同于资产价格，瞬时波动率无法被直接观测到，需要时间来验证</a:t>
+            </a:r>
+            <a:endParaRPr lang="en-US" altLang="zh-CN" dirty="0">
+              <a:latin typeface="宋体" panose="02010600030101010101" pitchFamily="2" charset="-122"/>
+              <a:ea typeface="宋体" panose="02010600030101010101" pitchFamily="2" charset="-122"/>
+            </a:endParaRPr>
+          </a:p>
+          <a:p>
+            <a:pPr marL="0" indent="0">
+              <a:buNone/>
+            </a:pPr>
+            <a:endParaRPr lang="en-US" altLang="zh-CN" dirty="0">
+              <a:latin typeface="宋体" panose="02010600030101010101" pitchFamily="2" charset="-122"/>
+              <a:ea typeface="宋体" panose="02010600030101010101" pitchFamily="2" charset="-122"/>
+            </a:endParaRPr>
+          </a:p>
+          <a:p>
+            <a:pPr>
+              <a:buFont typeface="Wingdings" panose="05000000000000000000" pitchFamily="2" charset="2"/>
+              <a:buChar char="l"/>
+            </a:pPr>
+            <a:r>
+              <a:rPr lang="zh-CN" altLang="en-US" dirty="0">
+                <a:latin typeface="宋体" panose="02010600030101010101" pitchFamily="2" charset="-122"/>
+                <a:ea typeface="宋体" panose="02010600030101010101" pitchFamily="2" charset="-122"/>
+              </a:rPr>
+              <a:t>统计角度</a:t>
+            </a:r>
+            <a:endParaRPr lang="en-US" altLang="zh-CN" dirty="0">
+              <a:latin typeface="宋体" panose="02010600030101010101" pitchFamily="2" charset="-122"/>
+              <a:ea typeface="宋体" panose="02010600030101010101" pitchFamily="2" charset="-122"/>
+            </a:endParaRPr>
+          </a:p>
+          <a:p>
+            <a:pPr marL="0" indent="0">
+              <a:buNone/>
+            </a:pPr>
+            <a:r>
+              <a:rPr lang="en-US" altLang="zh-CN" dirty="0">
+                <a:latin typeface="宋体" panose="02010600030101010101" pitchFamily="2" charset="-122"/>
+                <a:ea typeface="宋体" panose="02010600030101010101" pitchFamily="2" charset="-122"/>
+              </a:rPr>
+              <a:t>    </a:t>
+            </a:r>
+            <a:r>
+              <a:rPr lang="zh-CN" altLang="en-US" dirty="0">
+                <a:latin typeface="宋体" panose="02010600030101010101" pitchFamily="2" charset="-122"/>
+                <a:ea typeface="宋体" panose="02010600030101010101" pitchFamily="2" charset="-122"/>
+              </a:rPr>
+              <a:t>以复利计算的标的资产投资回报率的标准差：</a:t>
+            </a:r>
+            <a:endParaRPr lang="en-US" altLang="zh-CN" dirty="0">
+              <a:latin typeface="宋体" panose="02010600030101010101" pitchFamily="2" charset="-122"/>
+              <a:ea typeface="宋体" panose="02010600030101010101" pitchFamily="2" charset="-122"/>
+            </a:endParaRPr>
+          </a:p>
+        </p:txBody>
+      </p:sp>
+      <p:graphicFrame>
+        <p:nvGraphicFramePr>
+          <p:cNvPr id="7" name="对象 6">
+            <a:extLst>
+              <a:ext uri="{FF2B5EF4-FFF2-40B4-BE49-F238E27FC236}">
+                <a16:creationId xmlns:a16="http://schemas.microsoft.com/office/drawing/2014/main" id="{A722AFA0-B32F-470C-8F69-76E2CA9D1B1D}"/>
+              </a:ext>
+            </a:extLst>
+          </p:cNvPr>
+          <p:cNvGraphicFramePr>
+            <a:graphicFrameLocks noChangeAspect="1"/>
+          </p:cNvGraphicFramePr>
+          <p:nvPr>
+            <p:extLst>
+              <p:ext uri="{D42A27DB-BD31-4B8C-83A1-F6EECF244321}">
+                <p14:modId xmlns:p14="http://schemas.microsoft.com/office/powerpoint/2010/main" val="2594209108"/>
+              </p:ext>
+            </p:extLst>
+          </p:nvPr>
+        </p:nvGraphicFramePr>
+        <p:xfrm>
+          <a:off x="4179454" y="4451927"/>
+          <a:ext cx="3833091" cy="715963"/>
+        </p:xfrm>
+        <a:graphic>
+          <a:graphicData uri="http://schemas.openxmlformats.org/presentationml/2006/ole">
+            <mc:AlternateContent xmlns:mc="http://schemas.openxmlformats.org/markup-compatibility/2006">
+              <mc:Choice xmlns:v="urn:schemas-microsoft-com:vml" Requires="v">
+                <p:oleObj spid="_x0000_s1039" name="Equation" r:id="rId3" imgW="1371600" imgH="431640" progId="Equation.DSMT4">
+                  <p:embed/>
+                </p:oleObj>
+              </mc:Choice>
+              <mc:Fallback>
+                <p:oleObj name="Equation" r:id="rId3" imgW="1371600" imgH="431640" progId="Equation.DSMT4">
+                  <p:embed/>
+                  <p:pic>
+                    <p:nvPicPr>
+                      <p:cNvPr id="0" name=""/>
+                      <p:cNvPicPr/>
+                      <p:nvPr/>
+                    </p:nvPicPr>
+                    <p:blipFill>
+                      <a:blip r:embed="rId4"/>
+                      <a:stretch>
+                        <a:fillRect/>
+                      </a:stretch>
+                    </p:blipFill>
+                    <p:spPr>
+                      <a:xfrm>
+                        <a:off x="4179454" y="4451927"/>
+                        <a:ext cx="3833091" cy="715963"/>
+                      </a:xfrm>
+                      <a:prstGeom prst="rect">
+                        <a:avLst/>
+                      </a:prstGeom>
+                    </p:spPr>
+                  </p:pic>
+                </p:oleObj>
+              </mc:Fallback>
+            </mc:AlternateContent>
+          </a:graphicData>
+        </a:graphic>
+      </p:graphicFrame>
+    </p:spTree>
+    <p:extLst>
+      <p:ext uri="{BB962C8B-B14F-4D97-AF65-F5344CB8AC3E}">
+        <p14:creationId xmlns:p14="http://schemas.microsoft.com/office/powerpoint/2010/main" val="1595993767"/>
+      </p:ext>
+    </p:extLst>
+  </p:cSld>
+  <p:clrMapOvr>
+    <a:masterClrMapping/>
+  </p:clrMapOvr>
+</p:sld>
+</file>
+
+<file path=ppt/slides/slide40.xml><?xml version="1.0" encoding="utf-8"?>
+<p:sld xmlns:a="http://schemas.openxmlformats.org/drawingml/2006/main" xmlns:r="http://schemas.openxmlformats.org/officeDocument/2006/relationships" xmlns:p="http://schemas.openxmlformats.org/presentationml/2006/main">
+  <p:cSld>
+    <p:spTree>
+      <p:nvGrpSpPr>
+        <p:cNvPr id="1" name=""/>
+        <p:cNvGrpSpPr/>
+        <p:nvPr/>
+      </p:nvGrpSpPr>
+      <p:grpSpPr>
+        <a:xfrm>
+          <a:off x="0" y="0"/>
+          <a:ext cx="0" cy="0"/>
+          <a:chOff x="0" y="0"/>
+          <a:chExt cx="0" cy="0"/>
+        </a:xfrm>
+      </p:grpSpPr>
+      <p:sp>
+        <p:nvSpPr>
           <p:cNvPr id="5" name="MH_Entry_1"/>
           <p:cNvSpPr txBox="1"/>
           <p:nvPr>
@@ -33767,278 +37440,6 @@
 </p:sld>
 </file>
 
-<file path=ppt/slides/slide4.xml><?xml version="1.0" encoding="utf-8"?>
-<p:sld xmlns:a="http://schemas.openxmlformats.org/drawingml/2006/main" xmlns:r="http://schemas.openxmlformats.org/officeDocument/2006/relationships" xmlns:p="http://schemas.openxmlformats.org/presentationml/2006/main">
-  <p:cSld>
-    <p:spTree>
-      <p:nvGrpSpPr>
-        <p:cNvPr id="1" name=""/>
-        <p:cNvGrpSpPr/>
-        <p:nvPr/>
-      </p:nvGrpSpPr>
-      <p:grpSpPr>
-        <a:xfrm>
-          <a:off x="0" y="0"/>
-          <a:ext cx="0" cy="0"/>
-          <a:chOff x="0" y="0"/>
-          <a:chExt cx="0" cy="0"/>
-        </a:xfrm>
-      </p:grpSpPr>
-      <p:sp>
-        <p:nvSpPr>
-          <p:cNvPr id="4" name="标题 3">
-            <a:extLst>
-              <a:ext uri="{FF2B5EF4-FFF2-40B4-BE49-F238E27FC236}">
-                <a16:creationId xmlns:a16="http://schemas.microsoft.com/office/drawing/2014/main" id="{9205264E-25A9-4004-9F78-25F14425C787}"/>
-              </a:ext>
-            </a:extLst>
-          </p:cNvPr>
-          <p:cNvSpPr>
-            <a:spLocks noGrp="1"/>
-          </p:cNvSpPr>
-          <p:nvPr>
-            <p:ph type="title"/>
-          </p:nvPr>
-        </p:nvSpPr>
-        <p:spPr>
-          <a:xfrm>
-            <a:off x="838200" y="365125"/>
-            <a:ext cx="2662382" cy="761711"/>
-          </a:xfrm>
-        </p:spPr>
-        <p:txBody>
-          <a:bodyPr>
-            <a:normAutofit/>
-          </a:bodyPr>
-          <a:lstStyle/>
-          <a:p>
-            <a:r>
-              <a:rPr lang="zh-CN" altLang="en-US" sz="3200" dirty="0"/>
-              <a:t>波动率的定义</a:t>
-            </a:r>
-          </a:p>
-        </p:txBody>
-      </p:sp>
-      <p:sp>
-        <p:nvSpPr>
-          <p:cNvPr id="5" name="内容占位符 4">
-            <a:extLst>
-              <a:ext uri="{FF2B5EF4-FFF2-40B4-BE49-F238E27FC236}">
-                <a16:creationId xmlns:a16="http://schemas.microsoft.com/office/drawing/2014/main" id="{ADD500EB-9BCB-4EE5-A0EE-7E9510E81BC9}"/>
-              </a:ext>
-            </a:extLst>
-          </p:cNvPr>
-          <p:cNvSpPr>
-            <a:spLocks noGrp="1"/>
-          </p:cNvSpPr>
-          <p:nvPr>
-            <p:ph idx="1"/>
-          </p:nvPr>
-        </p:nvSpPr>
-        <p:spPr>
-          <a:xfrm>
-            <a:off x="838200" y="1302327"/>
-            <a:ext cx="10515600" cy="4874636"/>
-          </a:xfrm>
-        </p:spPr>
-        <p:txBody>
-          <a:bodyPr/>
-          <a:lstStyle/>
-          <a:p>
-            <a:pPr>
-              <a:buFont typeface="Wingdings" panose="05000000000000000000" pitchFamily="2" charset="2"/>
-              <a:buChar char="l"/>
-            </a:pPr>
-            <a:r>
-              <a:rPr lang="zh-CN" altLang="en-US" dirty="0">
-                <a:latin typeface="宋体" panose="02010600030101010101" pitchFamily="2" charset="-122"/>
-                <a:ea typeface="宋体" panose="02010600030101010101" pitchFamily="2" charset="-122"/>
-              </a:rPr>
-              <a:t>波动率是对波动</a:t>
-            </a:r>
-            <a:r>
-              <a:rPr lang="en-US" altLang="zh-CN" dirty="0">
-                <a:latin typeface="宋体" panose="02010600030101010101" pitchFamily="2" charset="-122"/>
-                <a:ea typeface="宋体" panose="02010600030101010101" pitchFamily="2" charset="-122"/>
-              </a:rPr>
-              <a:t>(</a:t>
-            </a:r>
-            <a:r>
-              <a:rPr lang="zh-CN" altLang="en-US" dirty="0">
-                <a:latin typeface="宋体" panose="02010600030101010101" pitchFamily="2" charset="-122"/>
-                <a:ea typeface="宋体" panose="02010600030101010101" pitchFamily="2" charset="-122"/>
-              </a:rPr>
-              <a:t>风险</a:t>
-            </a:r>
-            <a:r>
-              <a:rPr lang="en-US" altLang="zh-CN" dirty="0">
-                <a:latin typeface="宋体" panose="02010600030101010101" pitchFamily="2" charset="-122"/>
-                <a:ea typeface="宋体" panose="02010600030101010101" pitchFamily="2" charset="-122"/>
-              </a:rPr>
-              <a:t>)</a:t>
-            </a:r>
-            <a:r>
-              <a:rPr lang="zh-CN" altLang="en-US" dirty="0">
-                <a:latin typeface="宋体" panose="02010600030101010101" pitchFamily="2" charset="-122"/>
-                <a:ea typeface="宋体" panose="02010600030101010101" pitchFamily="2" charset="-122"/>
-              </a:rPr>
-              <a:t>的抽象和表达</a:t>
-            </a:r>
-            <a:endParaRPr lang="en-US" altLang="zh-CN" dirty="0">
-              <a:latin typeface="宋体" panose="02010600030101010101" pitchFamily="2" charset="-122"/>
-              <a:ea typeface="宋体" panose="02010600030101010101" pitchFamily="2" charset="-122"/>
-            </a:endParaRPr>
-          </a:p>
-          <a:p>
-            <a:pPr marL="0" indent="0">
-              <a:buNone/>
-            </a:pPr>
-            <a:r>
-              <a:rPr lang="en-US" altLang="zh-CN" dirty="0">
-                <a:latin typeface="宋体" panose="02010600030101010101" pitchFamily="2" charset="-122"/>
-                <a:ea typeface="宋体" panose="02010600030101010101" pitchFamily="2" charset="-122"/>
-              </a:rPr>
-              <a:t>    </a:t>
-            </a:r>
-            <a:r>
-              <a:rPr lang="zh-CN" altLang="en-US" dirty="0">
-                <a:latin typeface="宋体" panose="02010600030101010101" pitchFamily="2" charset="-122"/>
-                <a:ea typeface="宋体" panose="02010600030101010101" pitchFamily="2" charset="-122"/>
-              </a:rPr>
-              <a:t>波动率不同于资产价格，瞬时波动率无法被直接观测到，需要时间来验证</a:t>
-            </a:r>
-            <a:endParaRPr lang="en-US" altLang="zh-CN" dirty="0">
-              <a:latin typeface="宋体" panose="02010600030101010101" pitchFamily="2" charset="-122"/>
-              <a:ea typeface="宋体" panose="02010600030101010101" pitchFamily="2" charset="-122"/>
-            </a:endParaRPr>
-          </a:p>
-          <a:p>
-            <a:pPr marL="0" indent="0">
-              <a:buNone/>
-            </a:pPr>
-            <a:endParaRPr lang="en-US" altLang="zh-CN" dirty="0">
-              <a:latin typeface="宋体" panose="02010600030101010101" pitchFamily="2" charset="-122"/>
-              <a:ea typeface="宋体" panose="02010600030101010101" pitchFamily="2" charset="-122"/>
-            </a:endParaRPr>
-          </a:p>
-          <a:p>
-            <a:pPr>
-              <a:buFont typeface="Wingdings" panose="05000000000000000000" pitchFamily="2" charset="2"/>
-              <a:buChar char="l"/>
-            </a:pPr>
-            <a:r>
-              <a:rPr lang="zh-CN" altLang="en-US" dirty="0">
-                <a:latin typeface="宋体" panose="02010600030101010101" pitchFamily="2" charset="-122"/>
-                <a:ea typeface="宋体" panose="02010600030101010101" pitchFamily="2" charset="-122"/>
-              </a:rPr>
-              <a:t>统计角度</a:t>
-            </a:r>
-            <a:endParaRPr lang="en-US" altLang="zh-CN" dirty="0">
-              <a:latin typeface="宋体" panose="02010600030101010101" pitchFamily="2" charset="-122"/>
-              <a:ea typeface="宋体" panose="02010600030101010101" pitchFamily="2" charset="-122"/>
-            </a:endParaRPr>
-          </a:p>
-          <a:p>
-            <a:pPr marL="0" indent="0">
-              <a:buNone/>
-            </a:pPr>
-            <a:r>
-              <a:rPr lang="en-US" altLang="zh-CN" dirty="0">
-                <a:latin typeface="宋体" panose="02010600030101010101" pitchFamily="2" charset="-122"/>
-                <a:ea typeface="宋体" panose="02010600030101010101" pitchFamily="2" charset="-122"/>
-              </a:rPr>
-              <a:t>    </a:t>
-            </a:r>
-            <a:r>
-              <a:rPr lang="zh-CN" altLang="en-US" dirty="0">
-                <a:latin typeface="宋体" panose="02010600030101010101" pitchFamily="2" charset="-122"/>
-                <a:ea typeface="宋体" panose="02010600030101010101" pitchFamily="2" charset="-122"/>
-              </a:rPr>
-              <a:t>以复利计算的标的资产投资回报率的标准差：</a:t>
-            </a:r>
-            <a:endParaRPr lang="en-US" altLang="zh-CN" dirty="0">
-              <a:latin typeface="宋体" panose="02010600030101010101" pitchFamily="2" charset="-122"/>
-              <a:ea typeface="宋体" panose="02010600030101010101" pitchFamily="2" charset="-122"/>
-            </a:endParaRPr>
-          </a:p>
-        </p:txBody>
-      </p:sp>
-      <p:graphicFrame>
-        <p:nvGraphicFramePr>
-          <p:cNvPr id="7" name="对象 6">
-            <a:extLst>
-              <a:ext uri="{FF2B5EF4-FFF2-40B4-BE49-F238E27FC236}">
-                <a16:creationId xmlns:a16="http://schemas.microsoft.com/office/drawing/2014/main" id="{A722AFA0-B32F-470C-8F69-76E2CA9D1B1D}"/>
-              </a:ext>
-            </a:extLst>
-          </p:cNvPr>
-          <p:cNvGraphicFramePr>
-            <a:graphicFrameLocks noChangeAspect="1"/>
-          </p:cNvGraphicFramePr>
-          <p:nvPr>
-            <p:extLst>
-              <p:ext uri="{D42A27DB-BD31-4B8C-83A1-F6EECF244321}">
-                <p14:modId xmlns:p14="http://schemas.microsoft.com/office/powerpoint/2010/main" val="2594209108"/>
-              </p:ext>
-            </p:extLst>
-          </p:nvPr>
-        </p:nvGraphicFramePr>
-        <p:xfrm>
-          <a:off x="4179454" y="4451927"/>
-          <a:ext cx="3833091" cy="715963"/>
-        </p:xfrm>
-        <a:graphic>
-          <a:graphicData uri="http://schemas.openxmlformats.org/presentationml/2006/ole">
-            <mc:AlternateContent xmlns:mc="http://schemas.openxmlformats.org/markup-compatibility/2006">
-              <mc:Choice xmlns:v="urn:schemas-microsoft-com:vml" Requires="v">
-                <p:oleObj spid="_x0000_s1035" name="Equation" r:id="rId3" imgW="1371600" imgH="431640" progId="Equation.DSMT4">
-                  <p:embed/>
-                </p:oleObj>
-              </mc:Choice>
-              <mc:Fallback>
-                <p:oleObj name="Equation" r:id="rId3" imgW="1371600" imgH="431640" progId="Equation.DSMT4">
-                  <p:embed/>
-                  <p:pic>
-                    <p:nvPicPr>
-                      <p:cNvPr id="0" name=""/>
-                      <p:cNvPicPr/>
-                      <p:nvPr/>
-                    </p:nvPicPr>
-                    <p:blipFill>
-                      <a:blip r:embed="rId4"/>
-                      <a:stretch>
-                        <a:fillRect/>
-                      </a:stretch>
-                    </p:blipFill>
-                    <p:spPr>
-                      <a:xfrm>
-                        <a:off x="4179454" y="4451927"/>
-                        <a:ext cx="3833091" cy="715963"/>
-                      </a:xfrm>
-                      <a:prstGeom prst="rect">
-                        <a:avLst/>
-                      </a:prstGeom>
-                    </p:spPr>
-                  </p:pic>
-                </p:oleObj>
-              </mc:Fallback>
-            </mc:AlternateContent>
-          </a:graphicData>
-        </a:graphic>
-      </p:graphicFrame>
-    </p:spTree>
-    <p:extLst>
-      <p:ext uri="{BB962C8B-B14F-4D97-AF65-F5344CB8AC3E}">
-        <p14:creationId xmlns:p14="http://schemas.microsoft.com/office/powerpoint/2010/main" val="1595993767"/>
-      </p:ext>
-    </p:extLst>
-  </p:cSld>
-  <p:clrMapOvr>
-    <a:masterClrMapping/>
-  </p:clrMapOvr>
-</p:sld>
-</file>
-
 <file path=ppt/slides/slide5.xml><?xml version="1.0" encoding="utf-8"?>
 <p:sld xmlns:a="http://schemas.openxmlformats.org/drawingml/2006/main" xmlns:r="http://schemas.openxmlformats.org/officeDocument/2006/relationships" xmlns:p="http://schemas.openxmlformats.org/presentationml/2006/main">
   <p:cSld>
@@ -34245,7 +37646,7 @@
           <a:graphicData uri="http://schemas.openxmlformats.org/presentationml/2006/ole">
             <mc:AlternateContent xmlns:mc="http://schemas.openxmlformats.org/markup-compatibility/2006">
               <mc:Choice xmlns:v="urn:schemas-microsoft-com:vml" Requires="v">
-                <p:oleObj spid="_x0000_s2066" name="Equation" r:id="rId3" imgW="1460160" imgH="495000" progId="Equation.DSMT4">
+                <p:oleObj spid="_x0000_s2078" name="Equation" r:id="rId3" imgW="1460160" imgH="495000" progId="Equation.DSMT4">
                   <p:embed/>
                 </p:oleObj>
               </mc:Choice>
@@ -34308,7 +37709,7 @@
           <a:graphicData uri="http://schemas.openxmlformats.org/presentationml/2006/ole">
             <mc:AlternateContent xmlns:mc="http://schemas.openxmlformats.org/markup-compatibility/2006">
               <mc:Choice xmlns:v="urn:schemas-microsoft-com:vml" Requires="v">
-                <p:oleObj spid="_x0000_s2067" name="Equation" r:id="rId5" imgW="139680" imgH="228600" progId="Equation.DSMT4">
+                <p:oleObj spid="_x0000_s2079" name="Equation" r:id="rId5" imgW="139680" imgH="228600" progId="Equation.DSMT4">
                   <p:embed/>
                 </p:oleObj>
               </mc:Choice>
@@ -34371,7 +37772,7 @@
           <a:graphicData uri="http://schemas.openxmlformats.org/presentationml/2006/ole">
             <mc:AlternateContent xmlns:mc="http://schemas.openxmlformats.org/markup-compatibility/2006">
               <mc:Choice xmlns:v="urn:schemas-microsoft-com:vml" Requires="v">
-                <p:oleObj spid="_x0000_s2068" name="Equation" r:id="rId7" imgW="114120" imgH="228600" progId="Equation.DSMT4">
+                <p:oleObj spid="_x0000_s2080" name="Equation" r:id="rId7" imgW="114120" imgH="228600" progId="Equation.DSMT4">
                   <p:embed/>
                 </p:oleObj>
               </mc:Choice>
@@ -34646,7 +38047,7 @@
           <a:graphicData uri="http://schemas.openxmlformats.org/presentationml/2006/ole">
             <mc:AlternateContent xmlns:mc="http://schemas.openxmlformats.org/markup-compatibility/2006">
               <mc:Choice xmlns:v="urn:schemas-microsoft-com:vml" Requires="v">
-                <p:oleObj spid="_x0000_s3084" name="Equation" r:id="rId3" imgW="2882880" imgH="495000" progId="Equation.DSMT4">
+                <p:oleObj spid="_x0000_s3092" name="Equation" r:id="rId3" imgW="2882880" imgH="495000" progId="Equation.DSMT4">
                   <p:embed/>
                 </p:oleObj>
               </mc:Choice>
@@ -34715,7 +38116,7 @@
           <a:graphicData uri="http://schemas.openxmlformats.org/presentationml/2006/ole">
             <mc:AlternateContent xmlns:mc="http://schemas.openxmlformats.org/markup-compatibility/2006">
               <mc:Choice xmlns:v="urn:schemas-microsoft-com:vml" Requires="v">
-                <p:oleObj spid="_x0000_s3085" name="Equation" r:id="rId5" imgW="139680" imgH="228600" progId="Equation.DSMT4">
+                <p:oleObj spid="_x0000_s3093" name="Equation" r:id="rId5" imgW="139680" imgH="228600" progId="Equation.DSMT4">
                   <p:embed/>
                 </p:oleObj>
               </mc:Choice>
@@ -34961,7 +38362,7 @@
           <a:graphicData uri="http://schemas.openxmlformats.org/presentationml/2006/ole">
             <mc:AlternateContent xmlns:mc="http://schemas.openxmlformats.org/markup-compatibility/2006">
               <mc:Choice xmlns:v="urn:schemas-microsoft-com:vml" Requires="v">
-                <p:oleObj spid="_x0000_s4108" name="Equation" r:id="rId3" imgW="2463480" imgH="495000" progId="Equation.DSMT4">
+                <p:oleObj spid="_x0000_s4116" name="Equation" r:id="rId3" imgW="2463480" imgH="495000" progId="Equation.DSMT4">
                   <p:embed/>
                 </p:oleObj>
               </mc:Choice>
@@ -35030,7 +38431,7 @@
           <a:graphicData uri="http://schemas.openxmlformats.org/presentationml/2006/ole">
             <mc:AlternateContent xmlns:mc="http://schemas.openxmlformats.org/markup-compatibility/2006">
               <mc:Choice xmlns:v="urn:schemas-microsoft-com:vml" Requires="v">
-                <p:oleObj spid="_x0000_s4109" name="Equation" r:id="rId5" imgW="139680" imgH="228600" progId="Equation.DSMT4">
+                <p:oleObj spid="_x0000_s4117" name="Equation" r:id="rId5" imgW="139680" imgH="228600" progId="Equation.DSMT4">
                   <p:embed/>
                 </p:oleObj>
               </mc:Choice>
@@ -35318,7 +38719,7 @@
           <a:graphicData uri="http://schemas.openxmlformats.org/presentationml/2006/ole">
             <mc:AlternateContent xmlns:mc="http://schemas.openxmlformats.org/markup-compatibility/2006">
               <mc:Choice xmlns:v="urn:schemas-microsoft-com:vml" Requires="v">
-                <p:oleObj spid="_x0000_s5156" name="Equation" r:id="rId3" imgW="2438280" imgH="444240" progId="Equation.DSMT4">
+                <p:oleObj spid="_x0000_s5176" name="Equation" r:id="rId3" imgW="2438280" imgH="444240" progId="Equation.DSMT4">
                   <p:embed/>
                 </p:oleObj>
               </mc:Choice>
@@ -35387,7 +38788,7 @@
           <a:graphicData uri="http://schemas.openxmlformats.org/presentationml/2006/ole">
             <mc:AlternateContent xmlns:mc="http://schemas.openxmlformats.org/markup-compatibility/2006">
               <mc:Choice xmlns:v="urn:schemas-microsoft-com:vml" Requires="v">
-                <p:oleObj spid="_x0000_s5157" name="Equation" r:id="rId5" imgW="1663560" imgH="291960" progId="Equation.DSMT4">
+                <p:oleObj spid="_x0000_s5177" name="Equation" r:id="rId5" imgW="1663560" imgH="291960" progId="Equation.DSMT4">
                   <p:embed/>
                 </p:oleObj>
               </mc:Choice>
@@ -35450,7 +38851,7 @@
           <a:graphicData uri="http://schemas.openxmlformats.org/presentationml/2006/ole">
             <mc:AlternateContent xmlns:mc="http://schemas.openxmlformats.org/markup-compatibility/2006">
               <mc:Choice xmlns:v="urn:schemas-microsoft-com:vml" Requires="v">
-                <p:oleObj spid="_x0000_s5158" name="Equation" r:id="rId7" imgW="2412720" imgH="444240" progId="Equation.DSMT4">
+                <p:oleObj spid="_x0000_s5178" name="Equation" r:id="rId7" imgW="2412720" imgH="444240" progId="Equation.DSMT4">
                   <p:embed/>
                 </p:oleObj>
               </mc:Choice>
@@ -35513,7 +38914,7 @@
           <a:graphicData uri="http://schemas.openxmlformats.org/presentationml/2006/ole">
             <mc:AlternateContent xmlns:mc="http://schemas.openxmlformats.org/markup-compatibility/2006">
               <mc:Choice xmlns:v="urn:schemas-microsoft-com:vml" Requires="v">
-                <p:oleObj spid="_x0000_s5159" name="Equation" r:id="rId9" imgW="2209680" imgH="444240" progId="Equation.DSMT4">
+                <p:oleObj spid="_x0000_s5179" name="Equation" r:id="rId9" imgW="2209680" imgH="444240" progId="Equation.DSMT4">
                   <p:embed/>
                 </p:oleObj>
               </mc:Choice>
@@ -35576,7 +38977,7 @@
           <a:graphicData uri="http://schemas.openxmlformats.org/presentationml/2006/ole">
             <mc:AlternateContent xmlns:mc="http://schemas.openxmlformats.org/markup-compatibility/2006">
               <mc:Choice xmlns:v="urn:schemas-microsoft-com:vml" Requires="v">
-                <p:oleObj spid="_x0000_s5160" name="Equation" r:id="rId11" imgW="1028520" imgH="583920" progId="Equation.DSMT4">
+                <p:oleObj spid="_x0000_s5180" name="Equation" r:id="rId11" imgW="1028520" imgH="583920" progId="Equation.DSMT4">
                   <p:embed/>
                 </p:oleObj>
               </mc:Choice>
